--- a/OpenWhisk Presentation/OpenWhisk.pptx
+++ b/OpenWhisk Presentation/OpenWhisk.pptx
@@ -5,7 +5,7 @@
     <p:sldMasterId id="2147483660" r:id="rId1"/>
   </p:sldMasterIdLst>
   <p:notesMasterIdLst>
-    <p:notesMasterId r:id="rId26"/>
+    <p:notesMasterId r:id="rId27"/>
   </p:notesMasterIdLst>
   <p:sldIdLst>
     <p:sldId id="256" r:id="rId2"/>
@@ -31,7 +31,8 @@
     <p:sldId id="276" r:id="rId22"/>
     <p:sldId id="278" r:id="rId23"/>
     <p:sldId id="279" r:id="rId24"/>
-    <p:sldId id="280" r:id="rId25"/>
+    <p:sldId id="281" r:id="rId25"/>
+    <p:sldId id="280" r:id="rId26"/>
   </p:sldIdLst>
   <p:sldSz cx="12192000" cy="6858000"/>
   <p:notesSz cx="6858000" cy="9144000"/>
@@ -12070,6 +12071,316 @@
 </file>
 
 <file path=ppt/slides/slide24.xml><?xml version="1.0" encoding="utf-8"?>
+<p:sld xmlns:a="http://schemas.openxmlformats.org/drawingml/2006/main" xmlns:r="http://schemas.openxmlformats.org/officeDocument/2006/relationships" xmlns:p="http://schemas.openxmlformats.org/presentationml/2006/main">
+  <p:cSld>
+    <p:spTree>
+      <p:nvGrpSpPr>
+        <p:cNvPr id="1" name=""/>
+        <p:cNvGrpSpPr/>
+        <p:nvPr/>
+      </p:nvGrpSpPr>
+      <p:grpSpPr>
+        <a:xfrm>
+          <a:off x="0" y="0"/>
+          <a:ext cx="0" cy="0"/>
+          <a:chOff x="0" y="0"/>
+          <a:chExt cx="0" cy="0"/>
+        </a:xfrm>
+      </p:grpSpPr>
+      <p:sp>
+        <p:nvSpPr>
+          <p:cNvPr id="2" name="Title 1">
+            <a:extLst>
+              <a:ext uri="{FF2B5EF4-FFF2-40B4-BE49-F238E27FC236}">
+                <a16:creationId xmlns:a16="http://schemas.microsoft.com/office/drawing/2014/main" id="{E44112F6-F6CB-4109-BC55-16D6C360CF88}"/>
+              </a:ext>
+            </a:extLst>
+          </p:cNvPr>
+          <p:cNvSpPr>
+            <a:spLocks noGrp="1"/>
+          </p:cNvSpPr>
+          <p:nvPr>
+            <p:ph type="title"/>
+          </p:nvPr>
+        </p:nvSpPr>
+        <p:spPr>
+          <a:xfrm>
+            <a:off x="684212" y="417608"/>
+            <a:ext cx="8534400" cy="1507067"/>
+          </a:xfrm>
+        </p:spPr>
+        <p:txBody>
+          <a:bodyPr/>
+          <a:lstStyle/>
+          <a:p>
+            <a:r>
+              <a:rPr lang="en-US" dirty="0" err="1"/>
+              <a:t>Zakljucak</a:t>
+            </a:r>
+            <a:endParaRPr lang="en-US" dirty="0"/>
+          </a:p>
+        </p:txBody>
+      </p:sp>
+      <p:sp>
+        <p:nvSpPr>
+          <p:cNvPr id="3" name="Content Placeholder 2">
+            <a:extLst>
+              <a:ext uri="{FF2B5EF4-FFF2-40B4-BE49-F238E27FC236}">
+                <a16:creationId xmlns:a16="http://schemas.microsoft.com/office/drawing/2014/main" id="{94415993-18E0-4472-8E4C-9B5A9459D39D}"/>
+              </a:ext>
+            </a:extLst>
+          </p:cNvPr>
+          <p:cNvSpPr>
+            <a:spLocks noGrp="1"/>
+          </p:cNvSpPr>
+          <p:nvPr>
+            <p:ph idx="1"/>
+          </p:nvPr>
+        </p:nvSpPr>
+        <p:spPr>
+          <a:xfrm>
+            <a:off x="684212" y="2385812"/>
+            <a:ext cx="8534400" cy="3615267"/>
+          </a:xfrm>
+        </p:spPr>
+        <p:txBody>
+          <a:bodyPr/>
+          <a:lstStyle/>
+          <a:p>
+            <a:r>
+              <a:rPr lang="en-US" dirty="0" err="1">
+                <a:solidFill>
+                  <a:schemeClr val="tx1"/>
+                </a:solidFill>
+              </a:rPr>
+              <a:t>Odlican</a:t>
+            </a:r>
+            <a:r>
+              <a:rPr lang="en-US" dirty="0">
+                <a:solidFill>
+                  <a:schemeClr val="tx1"/>
+                </a:solidFill>
+              </a:rPr>
+              <a:t> za </a:t>
+            </a:r>
+            <a:r>
+              <a:rPr lang="en-US" dirty="0" err="1">
+                <a:solidFill>
+                  <a:schemeClr val="tx1"/>
+                </a:solidFill>
+              </a:rPr>
+              <a:t>mirkoservise</a:t>
+            </a:r>
+            <a:r>
+              <a:rPr lang="en-US" dirty="0">
+                <a:solidFill>
+                  <a:schemeClr val="tx1"/>
+                </a:solidFill>
+              </a:rPr>
+              <a:t>, </a:t>
+            </a:r>
+            <a:r>
+              <a:rPr lang="en-US" dirty="0" err="1">
+                <a:solidFill>
+                  <a:schemeClr val="tx1"/>
+                </a:solidFill>
+              </a:rPr>
+              <a:t>mobilne</a:t>
+            </a:r>
+            <a:r>
+              <a:rPr lang="en-US" dirty="0">
+                <a:solidFill>
+                  <a:schemeClr val="tx1"/>
+                </a:solidFill>
+              </a:rPr>
+              <a:t> </a:t>
+            </a:r>
+            <a:r>
+              <a:rPr lang="en-US" dirty="0" err="1">
+                <a:solidFill>
+                  <a:schemeClr val="tx1"/>
+                </a:solidFill>
+              </a:rPr>
+              <a:t>i</a:t>
+            </a:r>
+            <a:r>
+              <a:rPr lang="en-US" dirty="0">
+                <a:solidFill>
+                  <a:schemeClr val="tx1"/>
+                </a:solidFill>
+              </a:rPr>
+              <a:t> IoT </a:t>
+            </a:r>
+            <a:r>
+              <a:rPr lang="en-US" dirty="0" err="1">
+                <a:solidFill>
+                  <a:schemeClr val="tx1"/>
+                </a:solidFill>
+              </a:rPr>
+              <a:t>aplikacije</a:t>
+            </a:r>
+            <a:endParaRPr lang="en-US" dirty="0">
+              <a:solidFill>
+                <a:schemeClr val="tx1"/>
+              </a:solidFill>
+            </a:endParaRPr>
+          </a:p>
+          <a:p>
+            <a:r>
+              <a:rPr lang="en-US" dirty="0">
+                <a:solidFill>
+                  <a:schemeClr val="tx1"/>
+                </a:solidFill>
+              </a:rPr>
+              <a:t>Out of the box </a:t>
+            </a:r>
+            <a:r>
+              <a:rPr lang="en-US" dirty="0" err="1">
+                <a:solidFill>
+                  <a:schemeClr val="tx1"/>
+                </a:solidFill>
+              </a:rPr>
+              <a:t>skaliranje</a:t>
+            </a:r>
+            <a:r>
+              <a:rPr lang="en-US" dirty="0">
+                <a:solidFill>
+                  <a:schemeClr val="tx1"/>
+                </a:solidFill>
+              </a:rPr>
+              <a:t> </a:t>
+            </a:r>
+            <a:r>
+              <a:rPr lang="en-US" dirty="0" err="1">
+                <a:solidFill>
+                  <a:schemeClr val="tx1"/>
+                </a:solidFill>
+              </a:rPr>
+              <a:t>i</a:t>
+            </a:r>
+            <a:r>
+              <a:rPr lang="en-US" dirty="0">
+                <a:solidFill>
+                  <a:schemeClr val="tx1"/>
+                </a:solidFill>
+              </a:rPr>
+              <a:t> load </a:t>
+            </a:r>
+            <a:r>
+              <a:rPr lang="en-US" dirty="0" err="1">
+                <a:solidFill>
+                  <a:schemeClr val="tx1"/>
+                </a:solidFill>
+              </a:rPr>
+              <a:t>balansiranje</a:t>
+            </a:r>
+            <a:r>
+              <a:rPr lang="en-US" dirty="0">
+                <a:solidFill>
+                  <a:schemeClr val="tx1"/>
+                </a:solidFill>
+              </a:rPr>
+              <a:t> bez </a:t>
+            </a:r>
+            <a:r>
+              <a:rPr lang="en-US" dirty="0" err="1">
+                <a:solidFill>
+                  <a:schemeClr val="tx1"/>
+                </a:solidFill>
+              </a:rPr>
+              <a:t>konfiguracije</a:t>
+            </a:r>
+            <a:r>
+              <a:rPr lang="en-US" dirty="0">
+                <a:solidFill>
+                  <a:schemeClr val="tx1"/>
+                </a:solidFill>
+              </a:rPr>
+              <a:t> </a:t>
+            </a:r>
+          </a:p>
+          <a:p>
+            <a:r>
+              <a:rPr lang="en-US" dirty="0" err="1">
+                <a:solidFill>
+                  <a:schemeClr val="tx1"/>
+                </a:solidFill>
+              </a:rPr>
+              <a:t>Klijent</a:t>
+            </a:r>
+            <a:r>
+              <a:rPr lang="en-US" dirty="0">
+                <a:solidFill>
+                  <a:schemeClr val="tx1"/>
+                </a:solidFill>
+              </a:rPr>
+              <a:t> je </a:t>
+            </a:r>
+            <a:r>
+              <a:rPr lang="en-US" dirty="0" err="1">
+                <a:solidFill>
+                  <a:schemeClr val="tx1"/>
+                </a:solidFill>
+              </a:rPr>
+              <a:t>zaduzen</a:t>
+            </a:r>
+            <a:r>
+              <a:rPr lang="en-US" dirty="0">
+                <a:solidFill>
+                  <a:schemeClr val="tx1"/>
+                </a:solidFill>
+              </a:rPr>
+              <a:t> za </a:t>
+            </a:r>
+            <a:r>
+              <a:rPr lang="en-US" dirty="0" err="1">
+                <a:solidFill>
+                  <a:schemeClr val="tx1"/>
+                </a:solidFill>
+              </a:rPr>
+              <a:t>biznis</a:t>
+            </a:r>
+            <a:r>
+              <a:rPr lang="en-US" dirty="0">
+                <a:solidFill>
+                  <a:schemeClr val="tx1"/>
+                </a:solidFill>
+              </a:rPr>
+              <a:t> </a:t>
+            </a:r>
+            <a:r>
+              <a:rPr lang="en-US" dirty="0" err="1">
+                <a:solidFill>
+                  <a:schemeClr val="tx1"/>
+                </a:solidFill>
+              </a:rPr>
+              <a:t>logiku</a:t>
+            </a:r>
+            <a:r>
+              <a:rPr lang="en-US" dirty="0">
+                <a:solidFill>
+                  <a:schemeClr val="tx1"/>
+                </a:solidFill>
+              </a:rPr>
+              <a:t> </a:t>
+            </a:r>
+          </a:p>
+        </p:txBody>
+      </p:sp>
+    </p:spTree>
+    <p:extLst>
+      <p:ext uri="{BB962C8B-B14F-4D97-AF65-F5344CB8AC3E}">
+        <p14:creationId xmlns:p14="http://schemas.microsoft.com/office/powerpoint/2010/main" val="949777483"/>
+      </p:ext>
+    </p:extLst>
+  </p:cSld>
+  <p:clrMapOvr>
+    <a:masterClrMapping/>
+  </p:clrMapOvr>
+</p:sld>
+</file>
+
+<file path=ppt/slides/slide25.xml><?xml version="1.0" encoding="utf-8"?>
 <p:sld xmlns:a="http://schemas.openxmlformats.org/drawingml/2006/main" xmlns:r="http://schemas.openxmlformats.org/officeDocument/2006/relationships" xmlns:p="http://schemas.openxmlformats.org/presentationml/2006/main">
   <p:cSld>
     <p:spTree>

--- a/OpenWhisk Presentation/OpenWhisk.pptx
+++ b/OpenWhisk Presentation/OpenWhisk.pptx
@@ -20,17 +20,17 @@
     <p:sldId id="273" r:id="rId11"/>
     <p:sldId id="263" r:id="rId12"/>
     <p:sldId id="264" r:id="rId13"/>
-    <p:sldId id="265" r:id="rId14"/>
-    <p:sldId id="274" r:id="rId15"/>
-    <p:sldId id="266" r:id="rId16"/>
-    <p:sldId id="275" r:id="rId17"/>
-    <p:sldId id="267" r:id="rId18"/>
-    <p:sldId id="268" r:id="rId19"/>
-    <p:sldId id="277" r:id="rId20"/>
-    <p:sldId id="269" r:id="rId21"/>
-    <p:sldId id="276" r:id="rId22"/>
-    <p:sldId id="278" r:id="rId23"/>
-    <p:sldId id="279" r:id="rId24"/>
+    <p:sldId id="279" r:id="rId14"/>
+    <p:sldId id="265" r:id="rId15"/>
+    <p:sldId id="274" r:id="rId16"/>
+    <p:sldId id="266" r:id="rId17"/>
+    <p:sldId id="275" r:id="rId18"/>
+    <p:sldId id="267" r:id="rId19"/>
+    <p:sldId id="268" r:id="rId20"/>
+    <p:sldId id="277" r:id="rId21"/>
+    <p:sldId id="269" r:id="rId22"/>
+    <p:sldId id="276" r:id="rId23"/>
+    <p:sldId id="278" r:id="rId24"/>
     <p:sldId id="281" r:id="rId25"/>
     <p:sldId id="280" r:id="rId26"/>
   </p:sldIdLst>
@@ -233,7 +233,7 @@
           <a:p>
             <a:fld id="{9EF2A6DE-0597-4A22-B0F7-2F07AB2CEE39}" type="datetimeFigureOut">
               <a:rPr lang="en-US" smtClean="0"/>
-              <a:t>5/20/2022</a:t>
+              <a:t>5/23/2022</a:t>
             </a:fld>
             <a:endParaRPr lang="en-US"/>
           </a:p>
@@ -632,220 +632,28 @@
           <a:lstStyle/>
           <a:p>
             <a:r>
+              <a:rPr lang="en-US" dirty="0" err="1"/>
+              <a:t>Ngnix</a:t>
+            </a:r>
+            <a:r>
               <a:rPr lang="en-US" dirty="0"/>
-              <a:t>Does </a:t>
-            </a:r>
-            <a:r>
-              <a:rPr lang="en-US" dirty="0" err="1"/>
-              <a:t>OpenWhisk</a:t>
-            </a:r>
+              <a:t> web server </a:t>
+            </a:r>
+          </a:p>
+          <a:p>
             <a:r>
               <a:rPr lang="en-US" dirty="0"/>
-              <a:t> comes with any pre-installed packages?</a:t>
-            </a:r>
-            <a:r>
-              <a:rPr lang="en-US" sz="1200" b="0" i="0" kern="1200" dirty="0">
-                <a:solidFill>
-                  <a:schemeClr val="tx1"/>
-                </a:solidFill>
-                <a:effectLst/>
-                <a:latin typeface="+mn-lt"/>
-                <a:ea typeface="+mn-ea"/>
-                <a:cs typeface="+mn-cs"/>
-              </a:rPr>
-              <a:t> </a:t>
-            </a:r>
-            <a:r>
-              <a:rPr lang="en-US" sz="1200" b="0" i="0" kern="1200" dirty="0" err="1">
-                <a:solidFill>
-                  <a:schemeClr val="tx1"/>
-                </a:solidFill>
-                <a:effectLst/>
-                <a:latin typeface="+mn-lt"/>
-                <a:ea typeface="+mn-ea"/>
-                <a:cs typeface="+mn-cs"/>
-              </a:rPr>
-              <a:t>OpenWhisk</a:t>
-            </a:r>
-            <a:r>
-              <a:rPr lang="en-US" sz="1200" b="0" i="0" kern="1200" dirty="0">
-                <a:solidFill>
-                  <a:schemeClr val="tx1"/>
-                </a:solidFill>
-                <a:effectLst/>
-                <a:latin typeface="+mn-lt"/>
-                <a:ea typeface="+mn-ea"/>
-                <a:cs typeface="+mn-cs"/>
-              </a:rPr>
-              <a:t> comes with a list of pre-installed public packages which can be used by anyone. </a:t>
-            </a:r>
-            <a:r>
-              <a:rPr lang="en-US" sz="1200" b="0" i="0" kern="1200" dirty="0" err="1">
-                <a:solidFill>
-                  <a:schemeClr val="tx1"/>
-                </a:solidFill>
-                <a:effectLst/>
-                <a:latin typeface="+mn-lt"/>
-                <a:ea typeface="+mn-ea"/>
-                <a:cs typeface="+mn-cs"/>
-              </a:rPr>
-              <a:t>OpenWhisk</a:t>
-            </a:r>
-            <a:r>
-              <a:rPr lang="en-US" sz="1200" b="0" i="0" kern="1200" dirty="0">
-                <a:solidFill>
-                  <a:schemeClr val="tx1"/>
-                </a:solidFill>
-                <a:effectLst/>
-                <a:latin typeface="+mn-lt"/>
-                <a:ea typeface="+mn-ea"/>
-                <a:cs typeface="+mn-cs"/>
-              </a:rPr>
-              <a:t> has created a dedicated shared namespace </a:t>
-            </a:r>
-            <a:r>
-              <a:rPr lang="en-US" sz="1200" b="1" i="0" kern="1200" dirty="0">
-                <a:solidFill>
-                  <a:schemeClr val="tx1"/>
-                </a:solidFill>
-                <a:effectLst/>
-                <a:latin typeface="+mn-lt"/>
-                <a:ea typeface="+mn-ea"/>
-                <a:cs typeface="+mn-cs"/>
-              </a:rPr>
-              <a:t>/</a:t>
-            </a:r>
-            <a:r>
-              <a:rPr lang="en-US" sz="1200" b="1" i="0" kern="1200" dirty="0" err="1">
-                <a:solidFill>
-                  <a:schemeClr val="tx1"/>
-                </a:solidFill>
-                <a:effectLst/>
-                <a:latin typeface="+mn-lt"/>
-                <a:ea typeface="+mn-ea"/>
-                <a:cs typeface="+mn-cs"/>
-              </a:rPr>
-              <a:t>whisk.system</a:t>
-            </a:r>
-            <a:r>
-              <a:rPr lang="en-US" sz="1200" b="0" i="0" kern="1200" dirty="0">
-                <a:solidFill>
-                  <a:schemeClr val="tx1"/>
-                </a:solidFill>
-                <a:effectLst/>
-                <a:latin typeface="+mn-lt"/>
-                <a:ea typeface="+mn-ea"/>
-                <a:cs typeface="+mn-cs"/>
-              </a:rPr>
-              <a:t> for all the public packages.</a:t>
-            </a:r>
-            <a:endParaRPr lang="sr-Cyrl-RS" sz="1200" b="0" i="0" kern="1200" dirty="0">
-              <a:solidFill>
-                <a:schemeClr val="tx1"/>
-              </a:solidFill>
-              <a:effectLst/>
-              <a:latin typeface="+mn-lt"/>
-              <a:ea typeface="+mn-ea"/>
-              <a:cs typeface="+mn-cs"/>
-            </a:endParaRPr>
-          </a:p>
-          <a:p>
-            <a:r>
-              <a:rPr lang="en-US" sz="1200" b="0" i="0" kern="1200" dirty="0" err="1">
-                <a:solidFill>
-                  <a:schemeClr val="tx1"/>
-                </a:solidFill>
-                <a:effectLst/>
-                <a:latin typeface="+mn-lt"/>
-                <a:ea typeface="+mn-ea"/>
-                <a:cs typeface="+mn-cs"/>
-              </a:rPr>
-              <a:t>wsk</a:t>
-            </a:r>
-            <a:r>
-              <a:rPr lang="en-US" sz="1200" b="0" i="0" kern="1200" dirty="0">
-                <a:solidFill>
-                  <a:schemeClr val="tx1"/>
-                </a:solidFill>
-                <a:effectLst/>
-                <a:latin typeface="+mn-lt"/>
-                <a:ea typeface="+mn-ea"/>
-                <a:cs typeface="+mn-cs"/>
-              </a:rPr>
-              <a:t> package list /</a:t>
-            </a:r>
-            <a:r>
-              <a:rPr lang="en-US" sz="1200" b="0" i="0" kern="1200" dirty="0" err="1">
-                <a:solidFill>
-                  <a:schemeClr val="tx1"/>
-                </a:solidFill>
-                <a:effectLst/>
-                <a:latin typeface="+mn-lt"/>
-                <a:ea typeface="+mn-ea"/>
-                <a:cs typeface="+mn-cs"/>
-              </a:rPr>
-              <a:t>whisk.system</a:t>
-            </a:r>
-            <a:endParaRPr lang="sr-Cyrl-RS" sz="1200" b="0" i="0" kern="1200" dirty="0">
-              <a:solidFill>
-                <a:schemeClr val="tx1"/>
-              </a:solidFill>
-              <a:effectLst/>
-              <a:latin typeface="+mn-lt"/>
-              <a:ea typeface="+mn-ea"/>
-              <a:cs typeface="+mn-cs"/>
-            </a:endParaRPr>
-          </a:p>
-          <a:p>
-            <a:r>
-              <a:rPr lang="en-US" sz="1200" b="0" i="0" kern="1200" dirty="0" err="1">
-                <a:solidFill>
-                  <a:schemeClr val="tx1"/>
-                </a:solidFill>
-                <a:effectLst/>
-                <a:latin typeface="+mn-lt"/>
-                <a:ea typeface="+mn-ea"/>
-                <a:cs typeface="+mn-cs"/>
-              </a:rPr>
-              <a:t>wsk</a:t>
-            </a:r>
-            <a:r>
-              <a:rPr lang="en-US" sz="1200" b="0" i="0" kern="1200" dirty="0">
-                <a:solidFill>
-                  <a:schemeClr val="tx1"/>
-                </a:solidFill>
-                <a:effectLst/>
-                <a:latin typeface="+mn-lt"/>
-                <a:ea typeface="+mn-ea"/>
-                <a:cs typeface="+mn-cs"/>
-              </a:rPr>
-              <a:t> package get --summary /</a:t>
-            </a:r>
-            <a:r>
-              <a:rPr lang="en-US" sz="1200" b="0" i="0" kern="1200" dirty="0" err="1">
-                <a:solidFill>
-                  <a:schemeClr val="tx1"/>
-                </a:solidFill>
-                <a:effectLst/>
-                <a:latin typeface="+mn-lt"/>
-                <a:ea typeface="+mn-ea"/>
-                <a:cs typeface="+mn-cs"/>
-              </a:rPr>
-              <a:t>whisk.system</a:t>
-            </a:r>
-            <a:r>
-              <a:rPr lang="en-US" sz="1200" b="0" i="0" kern="1200" dirty="0">
-                <a:solidFill>
-                  <a:schemeClr val="tx1"/>
-                </a:solidFill>
-                <a:effectLst/>
-                <a:latin typeface="+mn-lt"/>
-                <a:ea typeface="+mn-ea"/>
-                <a:cs typeface="+mn-cs"/>
-              </a:rPr>
-              <a:t>/&lt;package-name&gt;</a:t>
-            </a:r>
+              <a:t>https://github.com/apache/openwhisk/blob/master/docs/about.md#how-openWhisk-works </a:t>
+            </a:r>
+          </a:p>
+          <a:p>
             <a:endParaRPr lang="en-US" dirty="0"/>
+          </a:p>
+          <a:p>
+            <a:r>
+              <a:rPr lang="en-US" dirty="0"/>
+              <a:t>   </a:t>
+            </a:r>
           </a:p>
         </p:txBody>
       </p:sp>
@@ -866,7 +674,7 @@
           <a:p>
             <a:fld id="{68EB1A8A-AC22-450A-BF45-9D22143E3DD8}" type="slidenum">
               <a:rPr lang="en-US" smtClean="0"/>
-              <a:t>18</a:t>
+              <a:t>13</a:t>
             </a:fld>
             <a:endParaRPr lang="en-US"/>
           </a:p>
@@ -875,7 +683,7 @@
     </p:spTree>
     <p:extLst>
       <p:ext uri="{BB962C8B-B14F-4D97-AF65-F5344CB8AC3E}">
-        <p14:creationId xmlns:p14="http://schemas.microsoft.com/office/powerpoint/2010/main" val="1752947686"/>
+        <p14:creationId xmlns:p14="http://schemas.microsoft.com/office/powerpoint/2010/main" val="2424021291"/>
       </p:ext>
     </p:extLst>
   </p:cSld>
@@ -929,56 +737,66 @@
           <a:bodyPr/>
           <a:lstStyle/>
           <a:p>
-            <a:r>
-              <a:rPr lang="en-US" dirty="0" err="1"/>
-              <a:t>myRule</a:t>
-            </a:r>
-            <a:r>
-              <a:rPr lang="en-US" dirty="0"/>
-              <a:t> je </a:t>
-            </a:r>
-            <a:r>
-              <a:rPr lang="en-US" dirty="0" err="1"/>
-              <a:t>pravilo</a:t>
-            </a:r>
-            <a:r>
-              <a:rPr lang="en-US" dirty="0"/>
+            <a:pPr marL="285750" indent="-285750">
+              <a:buFont typeface="Arial" panose="020B0604020202020204" pitchFamily="34" charset="0"/>
+              <a:buChar char="•"/>
+            </a:pPr>
+            <a:r>
+              <a:rPr lang="sr-Latn-RS" dirty="0">
+                <a:solidFill>
+                  <a:schemeClr val="tx1"/>
+                </a:solidFill>
+              </a:rPr>
+              <a:t>URL</a:t>
+            </a:r>
+            <a:r>
+              <a:rPr lang="sr-Latn-RS" dirty="0">
+                <a:solidFill>
+                  <a:srgbClr val="FFFF00"/>
+                </a:solidFill>
+              </a:rPr>
               <a:t> </a:t>
             </a:r>
-          </a:p>
-          <a:p>
-            <a:r>
-              <a:rPr lang="en-US" dirty="0" err="1"/>
-              <a:t>locationUpdate</a:t>
-            </a:r>
-            <a:r>
-              <a:rPr lang="en-US" dirty="0"/>
-              <a:t> je </a:t>
-            </a:r>
-            <a:r>
-              <a:rPr lang="en-US" dirty="0" err="1"/>
-              <a:t>triger</a:t>
-            </a:r>
-            <a:r>
-              <a:rPr lang="en-US" dirty="0"/>
-              <a:t> </a:t>
-            </a:r>
-          </a:p>
-          <a:p>
-            <a:r>
-              <a:rPr lang="en-US" dirty="0"/>
-              <a:t>Hello je </a:t>
-            </a:r>
-            <a:r>
-              <a:rPr lang="en-US" dirty="0" err="1"/>
-              <a:t>akcija</a:t>
-            </a:r>
-            <a:r>
-              <a:rPr lang="en-US" dirty="0"/>
-              <a:t> </a:t>
-            </a:r>
-          </a:p>
-          <a:p>
+            <a:r>
+              <a:rPr lang="sr-Latn-RS" dirty="0">
+                <a:solidFill>
+                  <a:srgbClr val="FFFF00"/>
+                </a:solidFill>
+                <a:hlinkClick r:id="rId3">
+                  <a:extLst>
+                    <a:ext uri="{A12FA001-AC4F-418D-AE19-62706E023703}">
+                      <ahyp:hlinkClr xmlns:ahyp="http://schemas.microsoft.com/office/drawing/2018/hyperlinkcolor" val="tx"/>
+                    </a:ext>
+                  </a:extLst>
+                </a:hlinkClick>
+              </a:rPr>
+              <a:t>https://github.com/apache/openwhisk</a:t>
+            </a:r>
+            <a:endParaRPr lang="sr-Latn-RS" dirty="0">
+              <a:solidFill>
+                <a:srgbClr val="FFFF00"/>
+              </a:solidFill>
+            </a:endParaRPr>
+          </a:p>
+          <a:p>
+            <a:pPr marL="285750" indent="-285750">
+              <a:buFont typeface="Arial" panose="020B0604020202020204" pitchFamily="34" charset="0"/>
+              <a:buChar char="•"/>
+            </a:pPr>
+            <a:r>
+              <a:rPr lang="sr-Latn-RS" dirty="0">
+                <a:solidFill>
+                  <a:schemeClr val="tx1"/>
+                </a:solidFill>
+              </a:rPr>
+              <a:t>Koriscenje provajdera ili lokalni cluster</a:t>
+            </a:r>
+          </a:p>
+          <a:p>
+            <a:r>
+              <a:rPr lang="sr-Latn-RS" dirty="0"/>
+              <a:t>Za kubernetis kluster </a:t>
+            </a:r>
             <a:endParaRPr lang="en-US" dirty="0"/>
           </a:p>
         </p:txBody>
@@ -1000,7 +818,7 @@
           <a:p>
             <a:fld id="{68EB1A8A-AC22-450A-BF45-9D22143E3DD8}" type="slidenum">
               <a:rPr lang="en-US" smtClean="0"/>
-              <a:t>21</a:t>
+              <a:t>14</a:t>
             </a:fld>
             <a:endParaRPr lang="en-US"/>
           </a:p>
@@ -1009,7 +827,7 @@
     </p:spTree>
     <p:extLst>
       <p:ext uri="{BB962C8B-B14F-4D97-AF65-F5344CB8AC3E}">
-        <p14:creationId xmlns:p14="http://schemas.microsoft.com/office/powerpoint/2010/main" val="3087598175"/>
+        <p14:creationId xmlns:p14="http://schemas.microsoft.com/office/powerpoint/2010/main" val="2397831229"/>
       </p:ext>
     </p:extLst>
   </p:cSld>
@@ -1065,16 +883,231 @@
           <a:p>
             <a:r>
               <a:rPr lang="en-US" dirty="0"/>
-              <a:t>Lista </a:t>
+              <a:t>Does </a:t>
             </a:r>
             <a:r>
               <a:rPr lang="en-US" dirty="0" err="1"/>
-              <a:t>repozitorijuma</a:t>
+              <a:t>OpenWhisk</a:t>
             </a:r>
             <a:r>
               <a:rPr lang="en-US" dirty="0"/>
+              <a:t> comes with any pre-installed packages?</a:t>
+            </a:r>
+            <a:r>
+              <a:rPr lang="en-US" sz="1200" b="0" i="0" kern="1200" dirty="0">
+                <a:solidFill>
+                  <a:schemeClr val="tx1"/>
+                </a:solidFill>
+                <a:effectLst/>
+                <a:latin typeface="+mn-lt"/>
+                <a:ea typeface="+mn-ea"/>
+                <a:cs typeface="+mn-cs"/>
+              </a:rPr>
+              <a:t> </a:t>
+            </a:r>
+            <a:r>
+              <a:rPr lang="en-US" sz="1200" b="0" i="0" kern="1200" dirty="0" err="1">
+                <a:solidFill>
+                  <a:schemeClr val="tx1"/>
+                </a:solidFill>
+                <a:effectLst/>
+                <a:latin typeface="+mn-lt"/>
+                <a:ea typeface="+mn-ea"/>
+                <a:cs typeface="+mn-cs"/>
+              </a:rPr>
+              <a:t>OpenWhisk</a:t>
+            </a:r>
+            <a:r>
+              <a:rPr lang="en-US" sz="1200" b="0" i="0" kern="1200" dirty="0">
+                <a:solidFill>
+                  <a:schemeClr val="tx1"/>
+                </a:solidFill>
+                <a:effectLst/>
+                <a:latin typeface="+mn-lt"/>
+                <a:ea typeface="+mn-ea"/>
+                <a:cs typeface="+mn-cs"/>
+              </a:rPr>
+              <a:t> comes with a list of pre-installed public packages which can be used by anyone. </a:t>
+            </a:r>
+            <a:r>
+              <a:rPr lang="en-US" sz="1200" b="0" i="0" kern="1200" dirty="0" err="1">
+                <a:solidFill>
+                  <a:schemeClr val="tx1"/>
+                </a:solidFill>
+                <a:effectLst/>
+                <a:latin typeface="+mn-lt"/>
+                <a:ea typeface="+mn-ea"/>
+                <a:cs typeface="+mn-cs"/>
+              </a:rPr>
+              <a:t>OpenWhisk</a:t>
+            </a:r>
+            <a:r>
+              <a:rPr lang="en-US" sz="1200" b="0" i="0" kern="1200" dirty="0">
+                <a:solidFill>
+                  <a:schemeClr val="tx1"/>
+                </a:solidFill>
+                <a:effectLst/>
+                <a:latin typeface="+mn-lt"/>
+                <a:ea typeface="+mn-ea"/>
+                <a:cs typeface="+mn-cs"/>
+              </a:rPr>
+              <a:t> has created a dedicated shared namespace </a:t>
+            </a:r>
+            <a:r>
+              <a:rPr lang="en-US" sz="1200" b="1" i="0" kern="1200" dirty="0">
+                <a:solidFill>
+                  <a:schemeClr val="tx1"/>
+                </a:solidFill>
+                <a:effectLst/>
+                <a:latin typeface="+mn-lt"/>
+                <a:ea typeface="+mn-ea"/>
+                <a:cs typeface="+mn-cs"/>
+              </a:rPr>
+              <a:t>/</a:t>
+            </a:r>
+            <a:r>
+              <a:rPr lang="en-US" sz="1200" b="1" i="0" kern="1200" dirty="0" err="1">
+                <a:solidFill>
+                  <a:schemeClr val="tx1"/>
+                </a:solidFill>
+                <a:effectLst/>
+                <a:latin typeface="+mn-lt"/>
+                <a:ea typeface="+mn-ea"/>
+                <a:cs typeface="+mn-cs"/>
+              </a:rPr>
+              <a:t>whisk.system</a:t>
+            </a:r>
+            <a:r>
+              <a:rPr lang="en-US" sz="1200" b="0" i="0" kern="1200" dirty="0">
+                <a:solidFill>
+                  <a:schemeClr val="tx1"/>
+                </a:solidFill>
+                <a:effectLst/>
+                <a:latin typeface="+mn-lt"/>
+                <a:ea typeface="+mn-ea"/>
+                <a:cs typeface="+mn-cs"/>
+              </a:rPr>
+              <a:t> for all the public packages.</a:t>
+            </a:r>
+            <a:endParaRPr lang="sr-Cyrl-RS" sz="1200" b="0" i="0" kern="1200" dirty="0">
+              <a:solidFill>
+                <a:schemeClr val="tx1"/>
+              </a:solidFill>
+              <a:effectLst/>
+              <a:latin typeface="+mn-lt"/>
+              <a:ea typeface="+mn-ea"/>
+              <a:cs typeface="+mn-cs"/>
+            </a:endParaRPr>
+          </a:p>
+          <a:p>
+            <a:r>
+              <a:rPr lang="en-US" sz="1200" b="0" i="0" kern="1200" dirty="0" err="1">
+                <a:solidFill>
+                  <a:schemeClr val="tx1"/>
+                </a:solidFill>
+                <a:effectLst/>
+                <a:latin typeface="+mn-lt"/>
+                <a:ea typeface="+mn-ea"/>
+                <a:cs typeface="+mn-cs"/>
+              </a:rPr>
+              <a:t>wsk</a:t>
+            </a:r>
+            <a:r>
+              <a:rPr lang="en-US" sz="1200" b="0" i="0" kern="1200" dirty="0">
+                <a:solidFill>
+                  <a:schemeClr val="tx1"/>
+                </a:solidFill>
+                <a:effectLst/>
+                <a:latin typeface="+mn-lt"/>
+                <a:ea typeface="+mn-ea"/>
+                <a:cs typeface="+mn-cs"/>
+              </a:rPr>
+              <a:t> package list /</a:t>
+            </a:r>
+            <a:r>
+              <a:rPr lang="en-US" sz="1200" b="0" i="0" kern="1200" dirty="0" err="1">
+                <a:solidFill>
+                  <a:schemeClr val="tx1"/>
+                </a:solidFill>
+                <a:effectLst/>
+                <a:latin typeface="+mn-lt"/>
+                <a:ea typeface="+mn-ea"/>
+                <a:cs typeface="+mn-cs"/>
+              </a:rPr>
+              <a:t>whisk.system</a:t>
+            </a:r>
+            <a:r>
+              <a:rPr lang="en-US" sz="1200" b="0" i="0" kern="1200" dirty="0">
+                <a:solidFill>
+                  <a:schemeClr val="tx1"/>
+                </a:solidFill>
+                <a:effectLst/>
+                <a:latin typeface="+mn-lt"/>
+                <a:ea typeface="+mn-ea"/>
+                <a:cs typeface="+mn-cs"/>
+              </a:rPr>
               <a:t> </a:t>
             </a:r>
+            <a:endParaRPr lang="sr-Cyrl-RS" sz="1200" b="0" i="0" kern="1200" dirty="0">
+              <a:solidFill>
+                <a:schemeClr val="tx1"/>
+              </a:solidFill>
+              <a:effectLst/>
+              <a:latin typeface="+mn-lt"/>
+              <a:ea typeface="+mn-ea"/>
+              <a:cs typeface="+mn-cs"/>
+            </a:endParaRPr>
+          </a:p>
+          <a:p>
+            <a:r>
+              <a:rPr lang="en-US" sz="1200" b="0" i="0" kern="1200" dirty="0" err="1">
+                <a:solidFill>
+                  <a:schemeClr val="tx1"/>
+                </a:solidFill>
+                <a:effectLst/>
+                <a:latin typeface="+mn-lt"/>
+                <a:ea typeface="+mn-ea"/>
+                <a:cs typeface="+mn-cs"/>
+              </a:rPr>
+              <a:t>wsk</a:t>
+            </a:r>
+            <a:r>
+              <a:rPr lang="en-US" sz="1200" b="0" i="0" kern="1200" dirty="0">
+                <a:solidFill>
+                  <a:schemeClr val="tx1"/>
+                </a:solidFill>
+                <a:effectLst/>
+                <a:latin typeface="+mn-lt"/>
+                <a:ea typeface="+mn-ea"/>
+                <a:cs typeface="+mn-cs"/>
+              </a:rPr>
+              <a:t> package get --summary /</a:t>
+            </a:r>
+            <a:r>
+              <a:rPr lang="en-US" sz="1200" b="0" i="0" kern="1200" dirty="0" err="1">
+                <a:solidFill>
+                  <a:schemeClr val="tx1"/>
+                </a:solidFill>
+                <a:effectLst/>
+                <a:latin typeface="+mn-lt"/>
+                <a:ea typeface="+mn-ea"/>
+                <a:cs typeface="+mn-cs"/>
+              </a:rPr>
+              <a:t>whisk.system</a:t>
+            </a:r>
+            <a:r>
+              <a:rPr lang="en-US" sz="1200" b="0" i="0" kern="1200" dirty="0">
+                <a:solidFill>
+                  <a:schemeClr val="tx1"/>
+                </a:solidFill>
+                <a:effectLst/>
+                <a:latin typeface="+mn-lt"/>
+                <a:ea typeface="+mn-ea"/>
+                <a:cs typeface="+mn-cs"/>
+              </a:rPr>
+              <a:t>/&lt;package-name&gt;</a:t>
+            </a:r>
+            <a:endParaRPr lang="en-US" dirty="0"/>
           </a:p>
         </p:txBody>
       </p:sp>
@@ -1095,7 +1128,7 @@
           <a:p>
             <a:fld id="{68EB1A8A-AC22-450A-BF45-9D22143E3DD8}" type="slidenum">
               <a:rPr lang="en-US" smtClean="0"/>
-              <a:t>22</a:t>
+              <a:t>19</a:t>
             </a:fld>
             <a:endParaRPr lang="en-US"/>
           </a:p>
@@ -1104,7 +1137,7 @@
     </p:spTree>
     <p:extLst>
       <p:ext uri="{BB962C8B-B14F-4D97-AF65-F5344CB8AC3E}">
-        <p14:creationId xmlns:p14="http://schemas.microsoft.com/office/powerpoint/2010/main" val="3985707126"/>
+        <p14:creationId xmlns:p14="http://schemas.microsoft.com/office/powerpoint/2010/main" val="1752947686"/>
       </p:ext>
     </p:extLst>
   </p:cSld>
@@ -1160,17 +1193,149 @@
           <a:p>
             <a:r>
               <a:rPr lang="en-US" dirty="0" err="1"/>
-              <a:t>Ngnix</a:t>
+              <a:t>myRule</a:t>
             </a:r>
             <a:r>
               <a:rPr lang="en-US" dirty="0"/>
-              <a:t> web server </a:t>
-            </a:r>
-          </a:p>
-          <a:p>
+              <a:t> je </a:t>
+            </a:r>
+            <a:r>
+              <a:rPr lang="en-US" dirty="0" err="1"/>
+              <a:t>pravilo</a:t>
+            </a:r>
             <a:r>
               <a:rPr lang="en-US" dirty="0"/>
-              <a:t>https://github.com/apache/openwhisk/blob/master/docs/about.md#how-openWhisk-works </a:t>
+              <a:t> </a:t>
+            </a:r>
+          </a:p>
+          <a:p>
+            <a:r>
+              <a:rPr lang="en-US" dirty="0" err="1"/>
+              <a:t>locationUpdate</a:t>
+            </a:r>
+            <a:r>
+              <a:rPr lang="en-US" dirty="0"/>
+              <a:t> je </a:t>
+            </a:r>
+            <a:r>
+              <a:rPr lang="en-US" dirty="0" err="1"/>
+              <a:t>triger</a:t>
+            </a:r>
+            <a:r>
+              <a:rPr lang="en-US" dirty="0"/>
+              <a:t> </a:t>
+            </a:r>
+          </a:p>
+          <a:p>
+            <a:r>
+              <a:rPr lang="en-US" dirty="0"/>
+              <a:t>Hello je </a:t>
+            </a:r>
+            <a:r>
+              <a:rPr lang="en-US" dirty="0" err="1"/>
+              <a:t>akcija</a:t>
+            </a:r>
+            <a:r>
+              <a:rPr lang="en-US" dirty="0"/>
+              <a:t> </a:t>
+            </a:r>
+          </a:p>
+          <a:p>
+            <a:endParaRPr lang="en-US" dirty="0"/>
+          </a:p>
+        </p:txBody>
+      </p:sp>
+      <p:sp>
+        <p:nvSpPr>
+          <p:cNvPr id="4" name="Slide Number Placeholder 3"/>
+          <p:cNvSpPr>
+            <a:spLocks noGrp="1"/>
+          </p:cNvSpPr>
+          <p:nvPr>
+            <p:ph type="sldNum" sz="quarter" idx="5"/>
+          </p:nvPr>
+        </p:nvSpPr>
+        <p:spPr/>
+        <p:txBody>
+          <a:bodyPr/>
+          <a:lstStyle/>
+          <a:p>
+            <a:fld id="{68EB1A8A-AC22-450A-BF45-9D22143E3DD8}" type="slidenum">
+              <a:rPr lang="en-US" smtClean="0"/>
+              <a:t>22</a:t>
+            </a:fld>
+            <a:endParaRPr lang="en-US"/>
+          </a:p>
+        </p:txBody>
+      </p:sp>
+    </p:spTree>
+    <p:extLst>
+      <p:ext uri="{BB962C8B-B14F-4D97-AF65-F5344CB8AC3E}">
+        <p14:creationId xmlns:p14="http://schemas.microsoft.com/office/powerpoint/2010/main" val="3087598175"/>
+      </p:ext>
+    </p:extLst>
+  </p:cSld>
+  <p:clrMapOvr>
+    <a:masterClrMapping/>
+  </p:clrMapOvr>
+</p:notes>
+</file>
+
+<file path=ppt/notesSlides/notesSlide14.xml><?xml version="1.0" encoding="utf-8"?>
+<p:notes xmlns:a="http://schemas.openxmlformats.org/drawingml/2006/main" xmlns:r="http://schemas.openxmlformats.org/officeDocument/2006/relationships" xmlns:p="http://schemas.openxmlformats.org/presentationml/2006/main">
+  <p:cSld>
+    <p:spTree>
+      <p:nvGrpSpPr>
+        <p:cNvPr id="1" name=""/>
+        <p:cNvGrpSpPr/>
+        <p:nvPr/>
+      </p:nvGrpSpPr>
+      <p:grpSpPr>
+        <a:xfrm>
+          <a:off x="0" y="0"/>
+          <a:ext cx="0" cy="0"/>
+          <a:chOff x="0" y="0"/>
+          <a:chExt cx="0" cy="0"/>
+        </a:xfrm>
+      </p:grpSpPr>
+      <p:sp>
+        <p:nvSpPr>
+          <p:cNvPr id="2" name="Slide Image Placeholder 1"/>
+          <p:cNvSpPr>
+            <a:spLocks noGrp="1" noRot="1" noChangeAspect="1"/>
+          </p:cNvSpPr>
+          <p:nvPr>
+            <p:ph type="sldImg"/>
+          </p:nvPr>
+        </p:nvSpPr>
+        <p:spPr/>
+      </p:sp>
+      <p:sp>
+        <p:nvSpPr>
+          <p:cNvPr id="3" name="Notes Placeholder 2"/>
+          <p:cNvSpPr>
+            <a:spLocks noGrp="1"/>
+          </p:cNvSpPr>
+          <p:nvPr>
+            <p:ph type="body" idx="1"/>
+          </p:nvPr>
+        </p:nvSpPr>
+        <p:spPr/>
+        <p:txBody>
+          <a:bodyPr/>
+          <a:lstStyle/>
+          <a:p>
+            <a:r>
+              <a:rPr lang="en-US" dirty="0"/>
+              <a:t>Lista </a:t>
+            </a:r>
+            <a:r>
+              <a:rPr lang="en-US" dirty="0" err="1"/>
+              <a:t>repozitorijuma</a:t>
+            </a:r>
+            <a:r>
+              <a:rPr lang="en-US" dirty="0"/>
+              <a:t> </a:t>
             </a:r>
           </a:p>
         </p:txBody>
@@ -1201,7 +1366,7 @@
     </p:spTree>
     <p:extLst>
       <p:ext uri="{BB962C8B-B14F-4D97-AF65-F5344CB8AC3E}">
-        <p14:creationId xmlns:p14="http://schemas.microsoft.com/office/powerpoint/2010/main" val="2424021291"/>
+        <p14:creationId xmlns:p14="http://schemas.microsoft.com/office/powerpoint/2010/main" val="3985707126"/>
       </p:ext>
     </p:extLst>
   </p:cSld>
@@ -1465,6 +1630,31 @@
             </a:r>
             <a:endParaRPr lang="en-US" dirty="0"/>
           </a:p>
+          <a:p>
+            <a:endParaRPr lang="en-US" dirty="0"/>
+          </a:p>
+          <a:p>
+            <a:r>
+              <a:rPr lang="en-US" dirty="0"/>
+              <a:t>PROS &amp; CONS </a:t>
+            </a:r>
+            <a:r>
+              <a:rPr lang="en-US" dirty="0" err="1"/>
+              <a:t>na</a:t>
+            </a:r>
+            <a:r>
+              <a:rPr lang="en-US" dirty="0"/>
+              <a:t> </a:t>
+            </a:r>
+            <a:r>
+              <a:rPr lang="en-US" dirty="0" err="1"/>
+              <a:t>yt</a:t>
+            </a:r>
+            <a:r>
+              <a:rPr lang="en-US" dirty="0"/>
+              <a:t> 3. min : https://www.youtube.com/watch?v=phsSvI7JB48</a:t>
+            </a:r>
+          </a:p>
         </p:txBody>
       </p:sp>
       <p:sp>
@@ -2022,67 +2212,10 @@
           <a:bodyPr/>
           <a:lstStyle/>
           <a:p>
-            <a:pPr marL="285750" indent="-285750">
-              <a:buFont typeface="Arial" panose="020B0604020202020204" pitchFamily="34" charset="0"/>
-              <a:buChar char="•"/>
-            </a:pPr>
-            <a:r>
-              <a:rPr lang="sr-Latn-RS" dirty="0">
-                <a:solidFill>
-                  <a:schemeClr val="tx1"/>
-                </a:solidFill>
-              </a:rPr>
-              <a:t>URL</a:t>
-            </a:r>
-            <a:r>
-              <a:rPr lang="sr-Latn-RS" dirty="0">
-                <a:solidFill>
-                  <a:srgbClr val="FFFF00"/>
-                </a:solidFill>
-              </a:rPr>
-              <a:t> </a:t>
-            </a:r>
-            <a:r>
-              <a:rPr lang="sr-Latn-RS" dirty="0">
-                <a:solidFill>
-                  <a:srgbClr val="FFFF00"/>
-                </a:solidFill>
-                <a:hlinkClick r:id="rId3">
-                  <a:extLst>
-                    <a:ext uri="{A12FA001-AC4F-418D-AE19-62706E023703}">
-                      <ahyp:hlinkClr xmlns:ahyp="http://schemas.microsoft.com/office/drawing/2018/hyperlinkcolor" val="tx"/>
-                    </a:ext>
-                  </a:extLst>
-                </a:hlinkClick>
-              </a:rPr>
-              <a:t>https://github.com/apache/openwhisk</a:t>
-            </a:r>
-            <a:endParaRPr lang="sr-Latn-RS" dirty="0">
-              <a:solidFill>
-                <a:srgbClr val="FFFF00"/>
-              </a:solidFill>
-            </a:endParaRPr>
-          </a:p>
-          <a:p>
-            <a:pPr marL="285750" indent="-285750">
-              <a:buFont typeface="Arial" panose="020B0604020202020204" pitchFamily="34" charset="0"/>
-              <a:buChar char="•"/>
-            </a:pPr>
-            <a:r>
-              <a:rPr lang="sr-Latn-RS" dirty="0">
-                <a:solidFill>
-                  <a:schemeClr val="tx1"/>
-                </a:solidFill>
-              </a:rPr>
-              <a:t>Koriscenje provajdera ili lokalni cluster</a:t>
-            </a:r>
-          </a:p>
-          <a:p>
-            <a:r>
-              <a:rPr lang="sr-Latn-RS" dirty="0"/>
-              <a:t>Za kubernetis kluster </a:t>
-            </a:r>
-            <a:endParaRPr lang="en-US" dirty="0"/>
+            <a:r>
+              <a:rPr lang="en-US" dirty="0"/>
+              <a:t>Support for different invocation models: blocking, non-blocking, periodic </a:t>
+            </a:r>
           </a:p>
         </p:txBody>
       </p:sp>
@@ -2103,7 +2236,7 @@
           <a:p>
             <a:fld id="{68EB1A8A-AC22-450A-BF45-9D22143E3DD8}" type="slidenum">
               <a:rPr lang="en-US" smtClean="0"/>
-              <a:t>13</a:t>
+              <a:t>11</a:t>
             </a:fld>
             <a:endParaRPr lang="en-US"/>
           </a:p>
@@ -2112,7 +2245,7 @@
     </p:spTree>
     <p:extLst>
       <p:ext uri="{BB962C8B-B14F-4D97-AF65-F5344CB8AC3E}">
-        <p14:creationId xmlns:p14="http://schemas.microsoft.com/office/powerpoint/2010/main" val="2397831229"/>
+        <p14:creationId xmlns:p14="http://schemas.microsoft.com/office/powerpoint/2010/main" val="1191423014"/>
       </p:ext>
     </p:extLst>
   </p:cSld>
@@ -2313,7 +2446,7 @@
           <a:p>
             <a:fld id="{4DD8B9CA-4023-4549-A69F-607CE61882E5}" type="datetimeFigureOut">
               <a:rPr lang="en-US" smtClean="0"/>
-              <a:t>5/20/2022</a:t>
+              <a:t>5/23/2022</a:t>
             </a:fld>
             <a:endParaRPr lang="en-US"/>
           </a:p>
@@ -2749,7 +2882,7 @@
           <a:p>
             <a:fld id="{4DD8B9CA-4023-4549-A69F-607CE61882E5}" type="datetimeFigureOut">
               <a:rPr lang="en-US" smtClean="0"/>
-              <a:t>5/20/2022</a:t>
+              <a:t>5/23/2022</a:t>
             </a:fld>
             <a:endParaRPr lang="en-US"/>
           </a:p>
@@ -2999,7 +3132,7 @@
           <a:p>
             <a:fld id="{4DD8B9CA-4023-4549-A69F-607CE61882E5}" type="datetimeFigureOut">
               <a:rPr lang="en-US" smtClean="0"/>
-              <a:t>5/20/2022</a:t>
+              <a:t>5/23/2022</a:t>
             </a:fld>
             <a:endParaRPr lang="en-US"/>
           </a:p>
@@ -3307,7 +3440,7 @@
           <a:p>
             <a:fld id="{4DD8B9CA-4023-4549-A69F-607CE61882E5}" type="datetimeFigureOut">
               <a:rPr lang="en-US" smtClean="0"/>
-              <a:t>5/20/2022</a:t>
+              <a:t>5/23/2022</a:t>
             </a:fld>
             <a:endParaRPr lang="en-US"/>
           </a:p>
@@ -3625,7 +3758,7 @@
           <a:p>
             <a:fld id="{4DD8B9CA-4023-4549-A69F-607CE61882E5}" type="datetimeFigureOut">
               <a:rPr lang="en-US" smtClean="0"/>
-              <a:t>5/20/2022</a:t>
+              <a:t>5/23/2022</a:t>
             </a:fld>
             <a:endParaRPr lang="en-US"/>
           </a:p>
@@ -3927,7 +4060,7 @@
           <a:p>
             <a:fld id="{4DD8B9CA-4023-4549-A69F-607CE61882E5}" type="datetimeFigureOut">
               <a:rPr lang="en-US" smtClean="0"/>
-              <a:t>5/20/2022</a:t>
+              <a:t>5/23/2022</a:t>
             </a:fld>
             <a:endParaRPr lang="en-US"/>
           </a:p>
@@ -4294,7 +4427,7 @@
           <a:p>
             <a:fld id="{4DD8B9CA-4023-4549-A69F-607CE61882E5}" type="datetimeFigureOut">
               <a:rPr lang="en-US" smtClean="0"/>
-              <a:t>5/20/2022</a:t>
+              <a:t>5/23/2022</a:t>
             </a:fld>
             <a:endParaRPr lang="en-US"/>
           </a:p>
@@ -4468,7 +4601,7 @@
           <a:p>
             <a:fld id="{4DD8B9CA-4023-4549-A69F-607CE61882E5}" type="datetimeFigureOut">
               <a:rPr lang="en-US" smtClean="0"/>
-              <a:t>5/20/2022</a:t>
+              <a:t>5/23/2022</a:t>
             </a:fld>
             <a:endParaRPr lang="en-US"/>
           </a:p>
@@ -4648,7 +4781,7 @@
           <a:p>
             <a:fld id="{4DD8B9CA-4023-4549-A69F-607CE61882E5}" type="datetimeFigureOut">
               <a:rPr lang="en-US" smtClean="0"/>
-              <a:t>5/20/2022</a:t>
+              <a:t>5/23/2022</a:t>
             </a:fld>
             <a:endParaRPr lang="en-US"/>
           </a:p>
@@ -4818,7 +4951,7 @@
           <a:p>
             <a:fld id="{4DD8B9CA-4023-4549-A69F-607CE61882E5}" type="datetimeFigureOut">
               <a:rPr lang="en-US" smtClean="0"/>
-              <a:t>5/20/2022</a:t>
+              <a:t>5/23/2022</a:t>
             </a:fld>
             <a:endParaRPr lang="en-US"/>
           </a:p>
@@ -5068,7 +5201,7 @@
           <a:p>
             <a:fld id="{4DD8B9CA-4023-4549-A69F-607CE61882E5}" type="datetimeFigureOut">
               <a:rPr lang="en-US" smtClean="0"/>
-              <a:t>5/20/2022</a:t>
+              <a:t>5/23/2022</a:t>
             </a:fld>
             <a:endParaRPr lang="en-US"/>
           </a:p>
@@ -5304,7 +5437,7 @@
           <a:p>
             <a:fld id="{4DD8B9CA-4023-4549-A69F-607CE61882E5}" type="datetimeFigureOut">
               <a:rPr lang="en-US" smtClean="0"/>
-              <a:t>5/20/2022</a:t>
+              <a:t>5/23/2022</a:t>
             </a:fld>
             <a:endParaRPr lang="en-US"/>
           </a:p>
@@ -5686,7 +5819,7 @@
           <a:p>
             <a:fld id="{4DD8B9CA-4023-4549-A69F-607CE61882E5}" type="datetimeFigureOut">
               <a:rPr lang="en-US" smtClean="0"/>
-              <a:t>5/20/2022</a:t>
+              <a:t>5/23/2022</a:t>
             </a:fld>
             <a:endParaRPr lang="en-US"/>
           </a:p>
@@ -5804,7 +5937,7 @@
           <a:p>
             <a:fld id="{4DD8B9CA-4023-4549-A69F-607CE61882E5}" type="datetimeFigureOut">
               <a:rPr lang="en-US" smtClean="0"/>
-              <a:t>5/20/2022</a:t>
+              <a:t>5/23/2022</a:t>
             </a:fld>
             <a:endParaRPr lang="en-US"/>
           </a:p>
@@ -5899,7 +6032,7 @@
           <a:p>
             <a:fld id="{4DD8B9CA-4023-4549-A69F-607CE61882E5}" type="datetimeFigureOut">
               <a:rPr lang="en-US" smtClean="0"/>
-              <a:t>5/20/2022</a:t>
+              <a:t>5/23/2022</a:t>
             </a:fld>
             <a:endParaRPr lang="en-US"/>
           </a:p>
@@ -6154,7 +6287,7 @@
           <a:p>
             <a:fld id="{4DD8B9CA-4023-4549-A69F-607CE61882E5}" type="datetimeFigureOut">
               <a:rPr lang="en-US" smtClean="0"/>
-              <a:t>5/20/2022</a:t>
+              <a:t>5/23/2022</a:t>
             </a:fld>
             <a:endParaRPr lang="en-US"/>
           </a:p>
@@ -6437,7 +6570,7 @@
           <a:p>
             <a:fld id="{4DD8B9CA-4023-4549-A69F-607CE61882E5}" type="datetimeFigureOut">
               <a:rPr lang="en-US" smtClean="0"/>
-              <a:t>5/20/2022</a:t>
+              <a:t>5/23/2022</a:t>
             </a:fld>
             <a:endParaRPr lang="en-US"/>
           </a:p>
@@ -6843,7 +6976,7 @@
           <a:p>
             <a:fld id="{4DD8B9CA-4023-4549-A69F-607CE61882E5}" type="datetimeFigureOut">
               <a:rPr lang="en-US" smtClean="0"/>
-              <a:t>5/20/2022</a:t>
+              <a:t>5/23/2022</a:t>
             </a:fld>
             <a:endParaRPr lang="en-US"/>
           </a:p>
@@ -7833,6 +7966,36 @@
           </a:p>
         </p:txBody>
       </p:sp>
+      <p:pic>
+        <p:nvPicPr>
+          <p:cNvPr id="4" name="Content Placeholder 3">
+            <a:extLst>
+              <a:ext uri="{FF2B5EF4-FFF2-40B4-BE49-F238E27FC236}">
+                <a16:creationId xmlns:a16="http://schemas.microsoft.com/office/drawing/2014/main" id="{B68F09F2-9740-4881-ADAB-059B82CAC505}"/>
+              </a:ext>
+            </a:extLst>
+          </p:cNvPr>
+          <p:cNvPicPr>
+            <a:picLocks noChangeAspect="1"/>
+          </p:cNvPicPr>
+          <p:nvPr/>
+        </p:nvPicPr>
+        <p:blipFill>
+          <a:blip r:embed="rId2"/>
+          <a:stretch>
+            <a:fillRect/>
+          </a:stretch>
+        </p:blipFill>
+        <p:spPr>
+          <a:xfrm>
+            <a:off x="711601" y="3816204"/>
+            <a:ext cx="7934705" cy="2199161"/>
+          </a:xfrm>
+          <a:prstGeom prst="rect">
+            <a:avLst/>
+          </a:prstGeom>
+        </p:spPr>
+      </p:pic>
     </p:spTree>
     <p:extLst>
       <p:ext uri="{BB962C8B-B14F-4D97-AF65-F5344CB8AC3E}">
@@ -8190,6 +8353,36 @@
           </a:p>
         </p:txBody>
       </p:sp>
+      <p:pic>
+        <p:nvPicPr>
+          <p:cNvPr id="4" name="Content Placeholder 3">
+            <a:extLst>
+              <a:ext uri="{FF2B5EF4-FFF2-40B4-BE49-F238E27FC236}">
+                <a16:creationId xmlns:a16="http://schemas.microsoft.com/office/drawing/2014/main" id="{52F05481-B9FF-4FBC-B189-AF1EA78AA9ED}"/>
+              </a:ext>
+            </a:extLst>
+          </p:cNvPr>
+          <p:cNvPicPr>
+            <a:picLocks noChangeAspect="1"/>
+          </p:cNvPicPr>
+          <p:nvPr/>
+        </p:nvPicPr>
+        <p:blipFill>
+          <a:blip r:embed="rId3"/>
+          <a:stretch>
+            <a:fillRect/>
+          </a:stretch>
+        </p:blipFill>
+        <p:spPr>
+          <a:xfrm>
+            <a:off x="763117" y="4195026"/>
+            <a:ext cx="7934705" cy="2199161"/>
+          </a:xfrm>
+          <a:prstGeom prst="rect">
+            <a:avLst/>
+          </a:prstGeom>
+        </p:spPr>
+      </p:pic>
     </p:spTree>
     <p:extLst>
       <p:ext uri="{BB962C8B-B14F-4D97-AF65-F5344CB8AC3E}">
@@ -8673,6 +8866,36 @@
           </a:p>
         </p:txBody>
       </p:sp>
+      <p:pic>
+        <p:nvPicPr>
+          <p:cNvPr id="4" name="Content Placeholder 3">
+            <a:extLst>
+              <a:ext uri="{FF2B5EF4-FFF2-40B4-BE49-F238E27FC236}">
+                <a16:creationId xmlns:a16="http://schemas.microsoft.com/office/drawing/2014/main" id="{B3CBC9D0-82FB-4E09-9123-1626C4E476AC}"/>
+              </a:ext>
+            </a:extLst>
+          </p:cNvPr>
+          <p:cNvPicPr>
+            <a:picLocks noChangeAspect="1"/>
+          </p:cNvPicPr>
+          <p:nvPr/>
+        </p:nvPicPr>
+        <p:blipFill>
+          <a:blip r:embed="rId2"/>
+          <a:stretch>
+            <a:fillRect/>
+          </a:stretch>
+        </p:blipFill>
+        <p:spPr>
+          <a:xfrm>
+            <a:off x="685844" y="4314449"/>
+            <a:ext cx="7934705" cy="2199161"/>
+          </a:xfrm>
+          <a:prstGeom prst="rect">
+            <a:avLst/>
+          </a:prstGeom>
+        </p:spPr>
+      </p:pic>
     </p:spTree>
     <p:extLst>
       <p:ext uri="{BB962C8B-B14F-4D97-AF65-F5344CB8AC3E}">
@@ -8708,7 +8931,7 @@
           <p:cNvPr id="2" name="Title 1">
             <a:extLst>
               <a:ext uri="{FF2B5EF4-FFF2-40B4-BE49-F238E27FC236}">
-                <a16:creationId xmlns:a16="http://schemas.microsoft.com/office/drawing/2014/main" id="{CB0B78BF-DE6E-4974-9BB9-217D39F69385}"/>
+                <a16:creationId xmlns:a16="http://schemas.microsoft.com/office/drawing/2014/main" id="{524E8084-7C95-4A5B-9E39-DCE640F725DD}"/>
               </a:ext>
             </a:extLst>
           </p:cNvPr>
@@ -8721,263 +8944,64 @@
         </p:nvSpPr>
         <p:spPr>
           <a:xfrm>
-            <a:off x="542545" y="224425"/>
-            <a:ext cx="8534400" cy="986189"/>
+            <a:off x="7989757" y="361862"/>
+            <a:ext cx="3872798" cy="1074019"/>
           </a:xfrm>
         </p:spPr>
         <p:txBody>
-          <a:bodyPr/>
+          <a:bodyPr anchor="t"/>
           <a:lstStyle/>
           <a:p>
             <a:r>
               <a:rPr lang="en-US" dirty="0" err="1"/>
-              <a:t>Koriscenje</a:t>
+              <a:t>Arhitektura</a:t>
             </a:r>
             <a:r>
               <a:rPr lang="en-US" dirty="0"/>
               <a:t> </a:t>
             </a:r>
-            <a:r>
-              <a:rPr lang="en-US" dirty="0" err="1"/>
-              <a:t>Openwhisk</a:t>
-            </a:r>
-            <a:r>
-              <a:rPr lang="en-US" dirty="0"/>
-              <a:t>-a 	</a:t>
-            </a:r>
-          </a:p>
-        </p:txBody>
-      </p:sp>
-      <p:sp>
-        <p:nvSpPr>
-          <p:cNvPr id="3" name="Content Placeholder 2">
+          </a:p>
+        </p:txBody>
+      </p:sp>
+      <p:pic>
+        <p:nvPicPr>
+          <p:cNvPr id="5" name="Content Placeholder 4">
             <a:extLst>
               <a:ext uri="{FF2B5EF4-FFF2-40B4-BE49-F238E27FC236}">
-                <a16:creationId xmlns:a16="http://schemas.microsoft.com/office/drawing/2014/main" id="{938F2FEF-3BE2-4438-BB81-66ACD6798DA1}"/>
+                <a16:creationId xmlns:a16="http://schemas.microsoft.com/office/drawing/2014/main" id="{6CEDF312-F85E-44A8-9D88-67DB3DAB0DCC}"/>
               </a:ext>
             </a:extLst>
           </p:cNvPr>
-          <p:cNvSpPr>
-            <a:spLocks noGrp="1"/>
-          </p:cNvSpPr>
+          <p:cNvPicPr>
+            <a:picLocks noGrp="1" noChangeAspect="1"/>
+          </p:cNvPicPr>
           <p:nvPr>
             <p:ph idx="1"/>
           </p:nvPr>
-        </p:nvSpPr>
+        </p:nvPicPr>
+        <p:blipFill>
+          <a:blip r:embed="rId3">
+            <a:extLst>
+              <a:ext uri="{28A0092B-C50C-407E-A947-70E740481C1C}">
+                <a14:useLocalDpi xmlns:a14="http://schemas.microsoft.com/office/drawing/2010/main" val="0"/>
+              </a:ext>
+            </a:extLst>
+          </a:blip>
+          <a:stretch>
+            <a:fillRect/>
+          </a:stretch>
+        </p:blipFill>
         <p:spPr>
           <a:xfrm>
-            <a:off x="684212" y="1352282"/>
-            <a:ext cx="8534400" cy="4584879"/>
+            <a:off x="539855" y="371579"/>
+            <a:ext cx="7449902" cy="6016453"/>
           </a:xfrm>
         </p:spPr>
-        <p:txBody>
-          <a:bodyPr anchor="t"/>
-          <a:lstStyle/>
-          <a:p>
-            <a:r>
-              <a:rPr lang="en-US" dirty="0" err="1">
-                <a:solidFill>
-                  <a:schemeClr val="tx1"/>
-                </a:solidFill>
-              </a:rPr>
-              <a:t>Lokalno</a:t>
-            </a:r>
-            <a:r>
-              <a:rPr lang="en-US" dirty="0">
-                <a:solidFill>
-                  <a:schemeClr val="tx1"/>
-                </a:solidFill>
-              </a:rPr>
-              <a:t> </a:t>
-            </a:r>
-            <a:endParaRPr lang="sr-Latn-RS" dirty="0">
-              <a:solidFill>
-                <a:schemeClr val="tx1"/>
-              </a:solidFill>
-            </a:endParaRPr>
-          </a:p>
-          <a:p>
-            <a:pPr lvl="1"/>
-            <a:r>
-              <a:rPr lang="sr-Latn-RS" dirty="0">
-                <a:solidFill>
-                  <a:schemeClr val="tx1"/>
-                </a:solidFill>
-              </a:rPr>
-              <a:t>Standalone </a:t>
-            </a:r>
-          </a:p>
-          <a:p>
-            <a:pPr lvl="1"/>
-            <a:r>
-              <a:rPr lang="en-US" dirty="0">
-                <a:solidFill>
-                  <a:schemeClr val="tx1"/>
-                </a:solidFill>
-              </a:rPr>
-              <a:t>Docker</a:t>
-            </a:r>
-            <a:r>
-              <a:rPr lang="sr-Latn-RS" dirty="0">
-                <a:solidFill>
-                  <a:schemeClr val="tx1"/>
-                </a:solidFill>
-              </a:rPr>
-              <a:t> i Kubernetis </a:t>
-            </a:r>
-            <a:endParaRPr lang="en-US" dirty="0">
-              <a:solidFill>
-                <a:schemeClr val="tx1"/>
-              </a:solidFill>
-            </a:endParaRPr>
-          </a:p>
-          <a:p>
-            <a:r>
-              <a:rPr lang="en-US" dirty="0" err="1">
-                <a:solidFill>
-                  <a:schemeClr val="tx1"/>
-                </a:solidFill>
-              </a:rPr>
-              <a:t>Pomocu</a:t>
-            </a:r>
-            <a:r>
-              <a:rPr lang="en-US" dirty="0">
-                <a:solidFill>
-                  <a:schemeClr val="tx1"/>
-                </a:solidFill>
-              </a:rPr>
-              <a:t> cloud </a:t>
-            </a:r>
-            <a:r>
-              <a:rPr lang="en-US" dirty="0" err="1">
-                <a:solidFill>
-                  <a:schemeClr val="tx1"/>
-                </a:solidFill>
-              </a:rPr>
-              <a:t>provajdera</a:t>
-            </a:r>
-            <a:endParaRPr lang="en-US" dirty="0">
-              <a:solidFill>
-                <a:schemeClr val="tx1"/>
-              </a:solidFill>
-            </a:endParaRPr>
-          </a:p>
-          <a:p>
-            <a:pPr lvl="1"/>
-            <a:r>
-              <a:rPr lang="en-US" dirty="0" err="1">
-                <a:solidFill>
-                  <a:schemeClr val="tx1"/>
-                </a:solidFill>
-              </a:rPr>
-              <a:t>Takodje</a:t>
-            </a:r>
-            <a:r>
-              <a:rPr lang="en-US" dirty="0">
-                <a:solidFill>
-                  <a:schemeClr val="tx1"/>
-                </a:solidFill>
-              </a:rPr>
-              <a:t> </a:t>
-            </a:r>
-            <a:r>
-              <a:rPr lang="en-US" dirty="0" err="1">
-                <a:solidFill>
-                  <a:schemeClr val="tx1"/>
-                </a:solidFill>
-              </a:rPr>
-              <a:t>kubernetis</a:t>
-            </a:r>
-            <a:r>
-              <a:rPr lang="en-US" dirty="0">
-                <a:solidFill>
-                  <a:schemeClr val="tx1"/>
-                </a:solidFill>
-              </a:rPr>
-              <a:t> </a:t>
-            </a:r>
-          </a:p>
-          <a:p>
-            <a:pPr lvl="1"/>
-            <a:r>
-              <a:rPr lang="en-US" dirty="0">
-                <a:solidFill>
-                  <a:schemeClr val="tx1"/>
-                </a:solidFill>
-              </a:rPr>
-              <a:t>Serverless </a:t>
-            </a:r>
-            <a:r>
-              <a:rPr lang="en-US" dirty="0" err="1">
-                <a:solidFill>
-                  <a:schemeClr val="tx1"/>
-                </a:solidFill>
-              </a:rPr>
-              <a:t>koji</a:t>
-            </a:r>
-            <a:r>
-              <a:rPr lang="en-US" dirty="0">
-                <a:solidFill>
-                  <a:schemeClr val="tx1"/>
-                </a:solidFill>
-              </a:rPr>
-              <a:t> vec </a:t>
-            </a:r>
-            <a:r>
-              <a:rPr lang="en-US" dirty="0" err="1">
-                <a:solidFill>
-                  <a:schemeClr val="tx1"/>
-                </a:solidFill>
-              </a:rPr>
-              <a:t>nudi</a:t>
-            </a:r>
-            <a:r>
-              <a:rPr lang="en-US" dirty="0">
-                <a:solidFill>
-                  <a:schemeClr val="tx1"/>
-                </a:solidFill>
-              </a:rPr>
-              <a:t> </a:t>
-            </a:r>
-            <a:r>
-              <a:rPr lang="en-US" dirty="0" err="1">
-                <a:solidFill>
-                  <a:schemeClr val="tx1"/>
-                </a:solidFill>
-              </a:rPr>
-              <a:t>OpenWhisk</a:t>
-            </a:r>
-            <a:r>
-              <a:rPr lang="en-US" dirty="0">
-                <a:solidFill>
-                  <a:schemeClr val="tx1"/>
-                </a:solidFill>
-              </a:rPr>
-              <a:t> </a:t>
-            </a:r>
-            <a:r>
-              <a:rPr lang="en-US" dirty="0" err="1">
-                <a:solidFill>
-                  <a:schemeClr val="tx1"/>
-                </a:solidFill>
-              </a:rPr>
-              <a:t>platformu</a:t>
-            </a:r>
-            <a:r>
-              <a:rPr lang="en-US" dirty="0">
-                <a:solidFill>
-                  <a:schemeClr val="tx1"/>
-                </a:solidFill>
-              </a:rPr>
-              <a:t>  </a:t>
-            </a:r>
-          </a:p>
-        </p:txBody>
-      </p:sp>
+      </p:pic>
     </p:spTree>
     <p:extLst>
       <p:ext uri="{BB962C8B-B14F-4D97-AF65-F5344CB8AC3E}">
-        <p14:creationId xmlns:p14="http://schemas.microsoft.com/office/powerpoint/2010/main" val="2356442229"/>
+        <p14:creationId xmlns:p14="http://schemas.microsoft.com/office/powerpoint/2010/main" val="736672240"/>
       </p:ext>
     </p:extLst>
   </p:cSld>
@@ -9009,7 +9033,7 @@
           <p:cNvPr id="2" name="Title 1">
             <a:extLst>
               <a:ext uri="{FF2B5EF4-FFF2-40B4-BE49-F238E27FC236}">
-                <a16:creationId xmlns:a16="http://schemas.microsoft.com/office/drawing/2014/main" id="{0BCBCF27-3B4D-4B9D-A727-B735C6099474}"/>
+                <a16:creationId xmlns:a16="http://schemas.microsoft.com/office/drawing/2014/main" id="{CB0B78BF-DE6E-4974-9BB9-217D39F69385}"/>
               </a:ext>
             </a:extLst>
           </p:cNvPr>
@@ -9022,228 +9046,263 @@
         </p:nvSpPr>
         <p:spPr>
           <a:xfrm>
-            <a:off x="7085012" y="685799"/>
-            <a:ext cx="4808656" cy="1220273"/>
+            <a:off x="542545" y="224425"/>
+            <a:ext cx="8534400" cy="986189"/>
           </a:xfrm>
         </p:spPr>
         <p:txBody>
-          <a:bodyPr anchor="t">
-            <a:normAutofit/>
-          </a:bodyPr>
+          <a:bodyPr/>
           <a:lstStyle/>
           <a:p>
             <a:r>
-              <a:rPr lang="sr-Latn-RS" sz="3200" dirty="0"/>
-              <a:t>Standalone instanca	</a:t>
-            </a:r>
-            <a:endParaRPr lang="en-US" sz="3200" dirty="0"/>
-          </a:p>
-        </p:txBody>
-      </p:sp>
-      <p:pic>
-        <p:nvPicPr>
-          <p:cNvPr id="5" name="Content Placeholder 4">
+              <a:rPr lang="en-US" dirty="0" err="1"/>
+              <a:t>Koriscenje</a:t>
+            </a:r>
+            <a:r>
+              <a:rPr lang="en-US" dirty="0"/>
+              <a:t> </a:t>
+            </a:r>
+            <a:r>
+              <a:rPr lang="en-US" dirty="0" err="1"/>
+              <a:t>Openwhisk</a:t>
+            </a:r>
+            <a:r>
+              <a:rPr lang="en-US" dirty="0"/>
+              <a:t>-a 	</a:t>
+            </a:r>
+          </a:p>
+        </p:txBody>
+      </p:sp>
+      <p:sp>
+        <p:nvSpPr>
+          <p:cNvPr id="3" name="Content Placeholder 2">
             <a:extLst>
               <a:ext uri="{FF2B5EF4-FFF2-40B4-BE49-F238E27FC236}">
-                <a16:creationId xmlns:a16="http://schemas.microsoft.com/office/drawing/2014/main" id="{F74C3ADD-B8E9-4180-965B-E333B9969744}"/>
+                <a16:creationId xmlns:a16="http://schemas.microsoft.com/office/drawing/2014/main" id="{938F2FEF-3BE2-4438-BB81-66ACD6798DA1}"/>
               </a:ext>
             </a:extLst>
           </p:cNvPr>
-          <p:cNvPicPr>
-            <a:picLocks noGrp="1" noChangeAspect="1"/>
-          </p:cNvPicPr>
+          <p:cNvSpPr>
+            <a:spLocks noGrp="1"/>
+          </p:cNvSpPr>
           <p:nvPr>
             <p:ph idx="1"/>
           </p:nvPr>
-        </p:nvPicPr>
-        <p:blipFill>
-          <a:blip r:embed="rId2">
-            <a:extLst>
-              <a:ext uri="{28A0092B-C50C-407E-A947-70E740481C1C}">
-                <a14:useLocalDpi xmlns:a14="http://schemas.microsoft.com/office/drawing/2010/main" val="0"/>
-              </a:ext>
-            </a:extLst>
-          </a:blip>
-          <a:stretch>
-            <a:fillRect/>
-          </a:stretch>
-        </p:blipFill>
+        </p:nvSpPr>
         <p:spPr>
           <a:xfrm>
-            <a:off x="298332" y="685799"/>
-            <a:ext cx="6535543" cy="4546242"/>
+            <a:off x="684212" y="1352282"/>
+            <a:ext cx="8534400" cy="4584879"/>
           </a:xfrm>
         </p:spPr>
-      </p:pic>
-      <p:sp>
-        <p:nvSpPr>
-          <p:cNvPr id="6" name="Text Placeholder 5">
-            <a:extLst>
-              <a:ext uri="{FF2B5EF4-FFF2-40B4-BE49-F238E27FC236}">
-                <a16:creationId xmlns:a16="http://schemas.microsoft.com/office/drawing/2014/main" id="{6B4077B6-5386-4CEF-963D-96B243F879D2}"/>
-              </a:ext>
-            </a:extLst>
-          </p:cNvPr>
-          <p:cNvSpPr>
-            <a:spLocks noGrp="1"/>
-          </p:cNvSpPr>
-          <p:nvPr>
-            <p:ph type="body" sz="half" idx="2"/>
-          </p:nvPr>
-        </p:nvSpPr>
-        <p:spPr>
-          <a:xfrm>
-            <a:off x="7085011" y="2209799"/>
-            <a:ext cx="4808657" cy="3022242"/>
-          </a:xfrm>
-        </p:spPr>
-        <p:txBody>
-          <a:bodyPr/>
+        <p:txBody>
+          <a:bodyPr anchor="t"/>
           <a:lstStyle/>
           <a:p>
-            <a:pPr marL="285750" indent="-285750">
-              <a:buFont typeface="Arial" panose="020B0604020202020204" pitchFamily="34" charset="0"/>
-              <a:buChar char="•"/>
-            </a:pPr>
-            <a:r>
-              <a:rPr lang="sr-Latn-RS" dirty="0">
-                <a:solidFill>
-                  <a:schemeClr val="tx1"/>
-                </a:solidFill>
-              </a:rPr>
-              <a:t>URL</a:t>
-            </a:r>
-            <a:r>
-              <a:rPr lang="sr-Latn-RS" dirty="0">
-                <a:solidFill>
-                  <a:srgbClr val="FFFF00"/>
+            <a:r>
+              <a:rPr lang="en-US" dirty="0" err="1">
+                <a:solidFill>
+                  <a:schemeClr val="tx1"/>
+                </a:solidFill>
+              </a:rPr>
+              <a:t>Lokalno</a:t>
+            </a:r>
+            <a:r>
+              <a:rPr lang="en-US" dirty="0">
+                <a:solidFill>
+                  <a:schemeClr val="tx1"/>
                 </a:solidFill>
               </a:rPr>
               <a:t> </a:t>
             </a:r>
-            <a:r>
-              <a:rPr lang="sr-Latn-RS" dirty="0">
-                <a:solidFill>
-                  <a:srgbClr val="FFFF00"/>
-                </a:solidFill>
-                <a:hlinkClick r:id="rId3">
-                  <a:extLst>
-                    <a:ext uri="{A12FA001-AC4F-418D-AE19-62706E023703}">
-                      <ahyp:hlinkClr xmlns:ahyp="http://schemas.microsoft.com/office/drawing/2018/hyperlinkcolor" val="tx"/>
-                    </a:ext>
-                  </a:extLst>
-                </a:hlinkClick>
-              </a:rPr>
-              <a:t>https://github.com/apache/openwhisk</a:t>
-            </a:r>
-            <a:r>
-              <a:rPr lang="sr-Latn-RS" dirty="0">
-                <a:solidFill>
-                  <a:srgbClr val="FFFF00"/>
-                </a:solidFill>
-              </a:rPr>
-              <a:t> </a:t>
-            </a:r>
-          </a:p>
-          <a:p>
-            <a:pPr marL="285750" indent="-285750">
-              <a:buFont typeface="Arial" panose="020B0604020202020204" pitchFamily="34" charset="0"/>
-              <a:buChar char="•"/>
-            </a:pPr>
-            <a:r>
-              <a:rPr lang="sr-Latn-RS" dirty="0">
-                <a:solidFill>
-                  <a:schemeClr val="tx1"/>
-                </a:solidFill>
-              </a:rPr>
-              <a:t>Potrebni alati: </a:t>
-            </a:r>
-          </a:p>
-          <a:p>
-            <a:pPr marL="742950" lvl="1" indent="-285750">
-              <a:buFont typeface="Arial" panose="020B0604020202020204" pitchFamily="34" charset="0"/>
-              <a:buChar char="•"/>
-            </a:pPr>
-            <a:r>
-              <a:rPr lang="sr-Latn-RS" sz="1600" dirty="0">
-                <a:solidFill>
-                  <a:schemeClr val="tx1"/>
-                </a:solidFill>
-              </a:rPr>
-              <a:t>Docker</a:t>
-            </a:r>
-          </a:p>
-          <a:p>
-            <a:pPr marL="742950" lvl="1" indent="-285750">
-              <a:buFont typeface="Arial" panose="020B0604020202020204" pitchFamily="34" charset="0"/>
-              <a:buChar char="•"/>
-            </a:pPr>
-            <a:r>
-              <a:rPr lang="sr-Latn-RS" sz="1600" dirty="0">
-                <a:solidFill>
-                  <a:schemeClr val="tx1"/>
-                </a:solidFill>
-              </a:rPr>
-              <a:t>Node.js </a:t>
-            </a:r>
-          </a:p>
-          <a:p>
-            <a:pPr marL="742950" lvl="1" indent="-285750">
-              <a:buFont typeface="Arial" panose="020B0604020202020204" pitchFamily="34" charset="0"/>
-              <a:buChar char="•"/>
-            </a:pPr>
-            <a:r>
-              <a:rPr lang="sr-Latn-RS" sz="1600" dirty="0">
-                <a:solidFill>
-                  <a:schemeClr val="tx1"/>
-                </a:solidFill>
-              </a:rPr>
-              <a:t>Java</a:t>
-            </a:r>
-          </a:p>
-          <a:p>
-            <a:pPr marL="285750" indent="-285750">
-              <a:buFont typeface="Arial" panose="020B0604020202020204" pitchFamily="34" charset="0"/>
-              <a:buChar char="•"/>
-            </a:pPr>
-            <a:r>
-              <a:rPr lang="en-US" u="sng" dirty="0">
-                <a:solidFill>
-                  <a:srgbClr val="FFFF00"/>
-                </a:solidFill>
-                <a:hlinkClick r:id="rId4">
-                  <a:extLst>
-                    <a:ext uri="{A12FA001-AC4F-418D-AE19-62706E023703}">
-                      <ahyp:hlinkClr xmlns:ahyp="http://schemas.microsoft.com/office/drawing/2018/hyperlinkcolor" val="tx"/>
-                    </a:ext>
-                  </a:extLst>
-                </a:hlinkClick>
-              </a:rPr>
-              <a:t>http://localhost:3232</a:t>
-            </a:r>
-            <a:endParaRPr lang="sr-Latn-RS" u="sng" dirty="0">
-              <a:solidFill>
-                <a:srgbClr val="FFFF00"/>
-              </a:solidFill>
-            </a:endParaRPr>
-          </a:p>
-          <a:p>
-            <a:pPr marL="285750" indent="-285750">
-              <a:buFont typeface="Arial" panose="020B0604020202020204" pitchFamily="34" charset="0"/>
-              <a:buChar char="•"/>
-            </a:pPr>
-            <a:endParaRPr lang="en-US" sz="2000" dirty="0">
+            <a:endParaRPr lang="sr-Latn-RS" dirty="0">
               <a:solidFill>
                 <a:schemeClr val="tx1"/>
               </a:solidFill>
             </a:endParaRPr>
           </a:p>
+          <a:p>
+            <a:pPr lvl="1"/>
+            <a:r>
+              <a:rPr lang="sr-Latn-RS" dirty="0">
+                <a:solidFill>
+                  <a:schemeClr val="tx1"/>
+                </a:solidFill>
+              </a:rPr>
+              <a:t>Standalone </a:t>
+            </a:r>
+          </a:p>
+          <a:p>
+            <a:pPr lvl="1"/>
+            <a:r>
+              <a:rPr lang="en-US" dirty="0">
+                <a:solidFill>
+                  <a:schemeClr val="tx1"/>
+                </a:solidFill>
+              </a:rPr>
+              <a:t>Docker</a:t>
+            </a:r>
+            <a:r>
+              <a:rPr lang="sr-Latn-RS" dirty="0">
+                <a:solidFill>
+                  <a:schemeClr val="tx1"/>
+                </a:solidFill>
+              </a:rPr>
+              <a:t> i Kubernetis </a:t>
+            </a:r>
+            <a:endParaRPr lang="en-US" dirty="0">
+              <a:solidFill>
+                <a:schemeClr val="tx1"/>
+              </a:solidFill>
+            </a:endParaRPr>
+          </a:p>
+          <a:p>
+            <a:r>
+              <a:rPr lang="en-US" dirty="0" err="1">
+                <a:solidFill>
+                  <a:schemeClr val="tx1"/>
+                </a:solidFill>
+              </a:rPr>
+              <a:t>Pomocu</a:t>
+            </a:r>
+            <a:r>
+              <a:rPr lang="en-US" dirty="0">
+                <a:solidFill>
+                  <a:schemeClr val="tx1"/>
+                </a:solidFill>
+              </a:rPr>
+              <a:t> cloud </a:t>
+            </a:r>
+            <a:r>
+              <a:rPr lang="en-US" dirty="0" err="1">
+                <a:solidFill>
+                  <a:schemeClr val="tx1"/>
+                </a:solidFill>
+              </a:rPr>
+              <a:t>provajdera</a:t>
+            </a:r>
+            <a:endParaRPr lang="en-US" dirty="0">
+              <a:solidFill>
+                <a:schemeClr val="tx1"/>
+              </a:solidFill>
+            </a:endParaRPr>
+          </a:p>
+          <a:p>
+            <a:pPr lvl="1"/>
+            <a:r>
+              <a:rPr lang="en-US" dirty="0" err="1">
+                <a:solidFill>
+                  <a:schemeClr val="tx1"/>
+                </a:solidFill>
+              </a:rPr>
+              <a:t>Takodje</a:t>
+            </a:r>
+            <a:r>
+              <a:rPr lang="en-US" dirty="0">
+                <a:solidFill>
+                  <a:schemeClr val="tx1"/>
+                </a:solidFill>
+              </a:rPr>
+              <a:t> </a:t>
+            </a:r>
+            <a:r>
+              <a:rPr lang="en-US" dirty="0" err="1">
+                <a:solidFill>
+                  <a:schemeClr val="tx1"/>
+                </a:solidFill>
+              </a:rPr>
+              <a:t>kubernetis</a:t>
+            </a:r>
+            <a:r>
+              <a:rPr lang="en-US" dirty="0">
+                <a:solidFill>
+                  <a:schemeClr val="tx1"/>
+                </a:solidFill>
+              </a:rPr>
+              <a:t> </a:t>
+            </a:r>
+          </a:p>
+          <a:p>
+            <a:pPr lvl="1"/>
+            <a:r>
+              <a:rPr lang="en-US" dirty="0">
+                <a:solidFill>
+                  <a:schemeClr val="tx1"/>
+                </a:solidFill>
+              </a:rPr>
+              <a:t>Serverless </a:t>
+            </a:r>
+            <a:r>
+              <a:rPr lang="en-US" dirty="0" err="1">
+                <a:solidFill>
+                  <a:schemeClr val="tx1"/>
+                </a:solidFill>
+              </a:rPr>
+              <a:t>koji</a:t>
+            </a:r>
+            <a:r>
+              <a:rPr lang="en-US" dirty="0">
+                <a:solidFill>
+                  <a:schemeClr val="tx1"/>
+                </a:solidFill>
+              </a:rPr>
+              <a:t> vec </a:t>
+            </a:r>
+            <a:r>
+              <a:rPr lang="en-US" dirty="0" err="1">
+                <a:solidFill>
+                  <a:schemeClr val="tx1"/>
+                </a:solidFill>
+              </a:rPr>
+              <a:t>nudi</a:t>
+            </a:r>
+            <a:r>
+              <a:rPr lang="en-US" dirty="0">
+                <a:solidFill>
+                  <a:schemeClr val="tx1"/>
+                </a:solidFill>
+              </a:rPr>
+              <a:t> </a:t>
+            </a:r>
+            <a:r>
+              <a:rPr lang="en-US" dirty="0" err="1">
+                <a:solidFill>
+                  <a:schemeClr val="tx1"/>
+                </a:solidFill>
+              </a:rPr>
+              <a:t>OpenWhisk</a:t>
+            </a:r>
+            <a:r>
+              <a:rPr lang="en-US" dirty="0">
+                <a:solidFill>
+                  <a:schemeClr val="tx1"/>
+                </a:solidFill>
+              </a:rPr>
+              <a:t> </a:t>
+            </a:r>
+            <a:r>
+              <a:rPr lang="en-US" dirty="0" err="1">
+                <a:solidFill>
+                  <a:schemeClr val="tx1"/>
+                </a:solidFill>
+              </a:rPr>
+              <a:t>platformu</a:t>
+            </a:r>
+            <a:r>
+              <a:rPr lang="en-US" dirty="0">
+                <a:solidFill>
+                  <a:schemeClr val="tx1"/>
+                </a:solidFill>
+              </a:rPr>
+              <a:t>  </a:t>
+            </a:r>
+          </a:p>
         </p:txBody>
       </p:sp>
     </p:spTree>
     <p:extLst>
       <p:ext uri="{BB962C8B-B14F-4D97-AF65-F5344CB8AC3E}">
-        <p14:creationId xmlns:p14="http://schemas.microsoft.com/office/powerpoint/2010/main" val="2794279801"/>
+        <p14:creationId xmlns:p14="http://schemas.microsoft.com/office/powerpoint/2010/main" val="2356442229"/>
       </p:ext>
     </p:extLst>
   </p:cSld>
@@ -9275,7 +9334,7 @@
           <p:cNvPr id="2" name="Title 1">
             <a:extLst>
               <a:ext uri="{FF2B5EF4-FFF2-40B4-BE49-F238E27FC236}">
-                <a16:creationId xmlns:a16="http://schemas.microsoft.com/office/drawing/2014/main" id="{076AB532-5FC2-4A61-8813-C694F826B3AF}"/>
+                <a16:creationId xmlns:a16="http://schemas.microsoft.com/office/drawing/2014/main" id="{0BCBCF27-3B4D-4B9D-A727-B735C6099474}"/>
               </a:ext>
             </a:extLst>
           </p:cNvPr>
@@ -9288,177 +9347,228 @@
         </p:nvSpPr>
         <p:spPr>
           <a:xfrm>
-            <a:off x="684212" y="277283"/>
-            <a:ext cx="8534400" cy="1037168"/>
+            <a:off x="7085012" y="685799"/>
+            <a:ext cx="4808656" cy="1220273"/>
           </a:xfrm>
         </p:spPr>
         <p:txBody>
-          <a:bodyPr/>
+          <a:bodyPr anchor="t">
+            <a:normAutofit/>
+          </a:bodyPr>
           <a:lstStyle/>
           <a:p>
             <a:r>
-              <a:rPr lang="en-US" dirty="0" err="1"/>
-              <a:t>Potrebni</a:t>
-            </a:r>
-            <a:r>
-              <a:rPr lang="en-US" dirty="0"/>
-              <a:t> </a:t>
-            </a:r>
-            <a:r>
-              <a:rPr lang="en-US" dirty="0" err="1"/>
-              <a:t>alati</a:t>
-            </a:r>
-            <a:endParaRPr lang="en-US" dirty="0"/>
-          </a:p>
-        </p:txBody>
-      </p:sp>
-      <p:sp>
-        <p:nvSpPr>
-          <p:cNvPr id="3" name="Content Placeholder 2">
+              <a:rPr lang="sr-Latn-RS" sz="3200" dirty="0"/>
+              <a:t>Standalone instanca	</a:t>
+            </a:r>
+            <a:endParaRPr lang="en-US" sz="3200" dirty="0"/>
+          </a:p>
+        </p:txBody>
+      </p:sp>
+      <p:pic>
+        <p:nvPicPr>
+          <p:cNvPr id="5" name="Content Placeholder 4">
             <a:extLst>
               <a:ext uri="{FF2B5EF4-FFF2-40B4-BE49-F238E27FC236}">
-                <a16:creationId xmlns:a16="http://schemas.microsoft.com/office/drawing/2014/main" id="{211A3BAC-AD00-4575-B427-52EC4C61D1F6}"/>
+                <a16:creationId xmlns:a16="http://schemas.microsoft.com/office/drawing/2014/main" id="{F74C3ADD-B8E9-4180-965B-E333B9969744}"/>
               </a:ext>
             </a:extLst>
           </p:cNvPr>
-          <p:cNvSpPr>
-            <a:spLocks noGrp="1"/>
-          </p:cNvSpPr>
+          <p:cNvPicPr>
+            <a:picLocks noGrp="1" noChangeAspect="1"/>
+          </p:cNvPicPr>
           <p:nvPr>
             <p:ph idx="1"/>
           </p:nvPr>
-        </p:nvSpPr>
+        </p:nvPicPr>
+        <p:blipFill>
+          <a:blip r:embed="rId2">
+            <a:extLst>
+              <a:ext uri="{28A0092B-C50C-407E-A947-70E740481C1C}">
+                <a14:useLocalDpi xmlns:a14="http://schemas.microsoft.com/office/drawing/2010/main" val="0"/>
+              </a:ext>
+            </a:extLst>
+          </a:blip>
+          <a:stretch>
+            <a:fillRect/>
+          </a:stretch>
+        </p:blipFill>
         <p:spPr>
           <a:xfrm>
-            <a:off x="684212" y="1722968"/>
-            <a:ext cx="8534400" cy="3615267"/>
+            <a:off x="298332" y="685799"/>
+            <a:ext cx="6535543" cy="4546242"/>
           </a:xfrm>
         </p:spPr>
-        <p:txBody>
-          <a:bodyPr anchor="t"/>
+      </p:pic>
+      <p:sp>
+        <p:nvSpPr>
+          <p:cNvPr id="6" name="Text Placeholder 5">
+            <a:extLst>
+              <a:ext uri="{FF2B5EF4-FFF2-40B4-BE49-F238E27FC236}">
+                <a16:creationId xmlns:a16="http://schemas.microsoft.com/office/drawing/2014/main" id="{6B4077B6-5386-4CEF-963D-96B243F879D2}"/>
+              </a:ext>
+            </a:extLst>
+          </p:cNvPr>
+          <p:cNvSpPr>
+            <a:spLocks noGrp="1"/>
+          </p:cNvSpPr>
+          <p:nvPr>
+            <p:ph type="body" sz="half" idx="2"/>
+          </p:nvPr>
+        </p:nvSpPr>
+        <p:spPr>
+          <a:xfrm>
+            <a:off x="7085011" y="2209799"/>
+            <a:ext cx="4808657" cy="3022242"/>
+          </a:xfrm>
+        </p:spPr>
+        <p:txBody>
+          <a:bodyPr/>
           <a:lstStyle/>
           <a:p>
-            <a:r>
-              <a:rPr lang="en-US" dirty="0">
-                <a:solidFill>
-                  <a:schemeClr val="tx1"/>
-                </a:solidFill>
-              </a:rPr>
-              <a:t>CLI </a:t>
-            </a:r>
-            <a:r>
-              <a:rPr lang="en-US" dirty="0" err="1">
-                <a:solidFill>
-                  <a:schemeClr val="tx1"/>
-                </a:solidFill>
-              </a:rPr>
-              <a:t>wsk</a:t>
-            </a:r>
-            <a:r>
-              <a:rPr lang="en-US" dirty="0">
-                <a:solidFill>
-                  <a:schemeClr val="tx1"/>
+            <a:pPr marL="285750" indent="-285750">
+              <a:buFont typeface="Arial" panose="020B0604020202020204" pitchFamily="34" charset="0"/>
+              <a:buChar char="•"/>
+            </a:pPr>
+            <a:r>
+              <a:rPr lang="sr-Latn-RS" dirty="0">
+                <a:solidFill>
+                  <a:schemeClr val="tx1"/>
+                </a:solidFill>
+              </a:rPr>
+              <a:t>URL</a:t>
+            </a:r>
+            <a:r>
+              <a:rPr lang="sr-Latn-RS" dirty="0">
+                <a:solidFill>
+                  <a:srgbClr val="FFFF00"/>
                 </a:solidFill>
               </a:rPr>
               <a:t> </a:t>
             </a:r>
-          </a:p>
-          <a:p>
-            <a:r>
-              <a:rPr lang="en-US" dirty="0">
-                <a:solidFill>
-                  <a:schemeClr val="tx1"/>
-                </a:solidFill>
-              </a:rPr>
-              <a:t>Deployment utility </a:t>
-            </a:r>
-            <a:r>
-              <a:rPr lang="en-US" dirty="0" err="1">
-                <a:solidFill>
-                  <a:schemeClr val="tx1"/>
-                </a:solidFill>
-              </a:rPr>
-              <a:t>wskdeploy</a:t>
-            </a:r>
-            <a:endParaRPr lang="en-US" dirty="0">
+            <a:r>
+              <a:rPr lang="sr-Latn-RS" dirty="0">
+                <a:solidFill>
+                  <a:srgbClr val="FFFF00"/>
+                </a:solidFill>
+                <a:hlinkClick r:id="rId3">
+                  <a:extLst>
+                    <a:ext uri="{A12FA001-AC4F-418D-AE19-62706E023703}">
+                      <ahyp:hlinkClr xmlns:ahyp="http://schemas.microsoft.com/office/drawing/2018/hyperlinkcolor" val="tx"/>
+                    </a:ext>
+                  </a:extLst>
+                </a:hlinkClick>
+              </a:rPr>
+              <a:t>https://github.com/apache/openwhisk</a:t>
+            </a:r>
+            <a:r>
+              <a:rPr lang="sr-Latn-RS" dirty="0">
+                <a:solidFill>
+                  <a:srgbClr val="FFFF00"/>
+                </a:solidFill>
+              </a:rPr>
+              <a:t> </a:t>
+            </a:r>
+          </a:p>
+          <a:p>
+            <a:pPr marL="285750" indent="-285750">
+              <a:buFont typeface="Arial" panose="020B0604020202020204" pitchFamily="34" charset="0"/>
+              <a:buChar char="•"/>
+            </a:pPr>
+            <a:r>
+              <a:rPr lang="sr-Latn-RS" dirty="0">
+                <a:solidFill>
+                  <a:schemeClr val="tx1"/>
+                </a:solidFill>
+              </a:rPr>
+              <a:t>Potrebni alati: </a:t>
+            </a:r>
+          </a:p>
+          <a:p>
+            <a:pPr marL="742950" lvl="1" indent="-285750">
+              <a:buFont typeface="Arial" panose="020B0604020202020204" pitchFamily="34" charset="0"/>
+              <a:buChar char="•"/>
+            </a:pPr>
+            <a:r>
+              <a:rPr lang="sr-Latn-RS" sz="1600" dirty="0">
+                <a:solidFill>
+                  <a:schemeClr val="tx1"/>
+                </a:solidFill>
+              </a:rPr>
+              <a:t>Docker</a:t>
+            </a:r>
+          </a:p>
+          <a:p>
+            <a:pPr marL="742950" lvl="1" indent="-285750">
+              <a:buFont typeface="Arial" panose="020B0604020202020204" pitchFamily="34" charset="0"/>
+              <a:buChar char="•"/>
+            </a:pPr>
+            <a:r>
+              <a:rPr lang="sr-Latn-RS" sz="1600" dirty="0">
+                <a:solidFill>
+                  <a:schemeClr val="tx1"/>
+                </a:solidFill>
+              </a:rPr>
+              <a:t>Node.js </a:t>
+            </a:r>
+          </a:p>
+          <a:p>
+            <a:pPr marL="742950" lvl="1" indent="-285750">
+              <a:buFont typeface="Arial" panose="020B0604020202020204" pitchFamily="34" charset="0"/>
+              <a:buChar char="•"/>
+            </a:pPr>
+            <a:r>
+              <a:rPr lang="sr-Latn-RS" sz="1600" dirty="0">
+                <a:solidFill>
+                  <a:schemeClr val="tx1"/>
+                </a:solidFill>
+              </a:rPr>
+              <a:t>Java</a:t>
+            </a:r>
+          </a:p>
+          <a:p>
+            <a:pPr marL="285750" indent="-285750">
+              <a:buFont typeface="Arial" panose="020B0604020202020204" pitchFamily="34" charset="0"/>
+              <a:buChar char="•"/>
+            </a:pPr>
+            <a:r>
+              <a:rPr lang="en-US" u="sng" dirty="0">
+                <a:solidFill>
+                  <a:srgbClr val="FFFF00"/>
+                </a:solidFill>
+                <a:hlinkClick r:id="rId4">
+                  <a:extLst>
+                    <a:ext uri="{A12FA001-AC4F-418D-AE19-62706E023703}">
+                      <ahyp:hlinkClr xmlns:ahyp="http://schemas.microsoft.com/office/drawing/2018/hyperlinkcolor" val="tx"/>
+                    </a:ext>
+                  </a:extLst>
+                </a:hlinkClick>
+              </a:rPr>
+              <a:t>http://localhost:3232</a:t>
+            </a:r>
+            <a:endParaRPr lang="sr-Latn-RS" u="sng" dirty="0">
+              <a:solidFill>
+                <a:srgbClr val="FFFF00"/>
+              </a:solidFill>
+            </a:endParaRPr>
+          </a:p>
+          <a:p>
+            <a:pPr marL="285750" indent="-285750">
+              <a:buFont typeface="Arial" panose="020B0604020202020204" pitchFamily="34" charset="0"/>
+              <a:buChar char="•"/>
+            </a:pPr>
+            <a:endParaRPr lang="en-US" sz="2000" dirty="0">
               <a:solidFill>
                 <a:schemeClr val="tx1"/>
               </a:solidFill>
             </a:endParaRPr>
           </a:p>
-          <a:p>
-            <a:r>
-              <a:rPr lang="en-US" dirty="0">
-                <a:solidFill>
-                  <a:schemeClr val="tx1"/>
-                </a:solidFill>
-              </a:rPr>
-              <a:t>REST API</a:t>
-            </a:r>
-          </a:p>
-          <a:p>
-            <a:r>
-              <a:rPr lang="sr-Latn-RS" dirty="0">
-                <a:solidFill>
-                  <a:schemeClr val="tx1"/>
-                </a:solidFill>
-              </a:rPr>
-              <a:t>Open Whisk </a:t>
-            </a:r>
-            <a:r>
-              <a:rPr lang="en-US" dirty="0">
-                <a:solidFill>
-                  <a:schemeClr val="tx1"/>
-                </a:solidFill>
-              </a:rPr>
-              <a:t>Clients </a:t>
-            </a:r>
-            <a:r>
-              <a:rPr lang="sr-Latn-RS" dirty="0">
-                <a:solidFill>
-                  <a:schemeClr val="tx1"/>
-                </a:solidFill>
-              </a:rPr>
-              <a:t> (J</a:t>
-            </a:r>
-            <a:r>
-              <a:rPr lang="en-US" dirty="0" err="1">
-                <a:solidFill>
-                  <a:schemeClr val="tx1"/>
-                </a:solidFill>
-              </a:rPr>
-              <a:t>avaScript</a:t>
-            </a:r>
-            <a:r>
-              <a:rPr lang="en-US" dirty="0">
-                <a:solidFill>
-                  <a:schemeClr val="tx1"/>
-                </a:solidFill>
-              </a:rPr>
-              <a:t>, Go, Swift and Python</a:t>
-            </a:r>
-            <a:r>
-              <a:rPr lang="sr-Latn-RS" dirty="0">
-                <a:solidFill>
-                  <a:schemeClr val="tx1"/>
-                </a:solidFill>
-              </a:rPr>
-              <a:t>)</a:t>
-            </a:r>
-          </a:p>
-          <a:p>
-            <a:endParaRPr lang="en-US" dirty="0">
-              <a:solidFill>
-                <a:schemeClr val="tx1"/>
-              </a:solidFill>
-            </a:endParaRPr>
-          </a:p>
         </p:txBody>
       </p:sp>
     </p:spTree>
     <p:extLst>
       <p:ext uri="{BB962C8B-B14F-4D97-AF65-F5344CB8AC3E}">
-        <p14:creationId xmlns:p14="http://schemas.microsoft.com/office/powerpoint/2010/main" val="4075488107"/>
+        <p14:creationId xmlns:p14="http://schemas.microsoft.com/office/powerpoint/2010/main" val="2794279801"/>
       </p:ext>
     </p:extLst>
   </p:cSld>
@@ -9490,6 +9600,221 @@
           <p:cNvPr id="2" name="Title 1">
             <a:extLst>
               <a:ext uri="{FF2B5EF4-FFF2-40B4-BE49-F238E27FC236}">
+                <a16:creationId xmlns:a16="http://schemas.microsoft.com/office/drawing/2014/main" id="{076AB532-5FC2-4A61-8813-C694F826B3AF}"/>
+              </a:ext>
+            </a:extLst>
+          </p:cNvPr>
+          <p:cNvSpPr>
+            <a:spLocks noGrp="1"/>
+          </p:cNvSpPr>
+          <p:nvPr>
+            <p:ph type="title"/>
+          </p:nvPr>
+        </p:nvSpPr>
+        <p:spPr>
+          <a:xfrm>
+            <a:off x="684212" y="277283"/>
+            <a:ext cx="8534400" cy="1037168"/>
+          </a:xfrm>
+        </p:spPr>
+        <p:txBody>
+          <a:bodyPr/>
+          <a:lstStyle/>
+          <a:p>
+            <a:r>
+              <a:rPr lang="en-US" dirty="0" err="1"/>
+              <a:t>Potrebni</a:t>
+            </a:r>
+            <a:r>
+              <a:rPr lang="en-US" dirty="0"/>
+              <a:t> </a:t>
+            </a:r>
+            <a:r>
+              <a:rPr lang="en-US" dirty="0" err="1"/>
+              <a:t>alati</a:t>
+            </a:r>
+            <a:endParaRPr lang="en-US" dirty="0"/>
+          </a:p>
+        </p:txBody>
+      </p:sp>
+      <p:sp>
+        <p:nvSpPr>
+          <p:cNvPr id="3" name="Content Placeholder 2">
+            <a:extLst>
+              <a:ext uri="{FF2B5EF4-FFF2-40B4-BE49-F238E27FC236}">
+                <a16:creationId xmlns:a16="http://schemas.microsoft.com/office/drawing/2014/main" id="{211A3BAC-AD00-4575-B427-52EC4C61D1F6}"/>
+              </a:ext>
+            </a:extLst>
+          </p:cNvPr>
+          <p:cNvSpPr>
+            <a:spLocks noGrp="1"/>
+          </p:cNvSpPr>
+          <p:nvPr>
+            <p:ph idx="1"/>
+          </p:nvPr>
+        </p:nvSpPr>
+        <p:spPr>
+          <a:xfrm>
+            <a:off x="684212" y="1722968"/>
+            <a:ext cx="8534400" cy="3615267"/>
+          </a:xfrm>
+        </p:spPr>
+        <p:txBody>
+          <a:bodyPr anchor="t"/>
+          <a:lstStyle/>
+          <a:p>
+            <a:r>
+              <a:rPr lang="en-US" dirty="0">
+                <a:solidFill>
+                  <a:schemeClr val="tx1"/>
+                </a:solidFill>
+              </a:rPr>
+              <a:t>CLI </a:t>
+            </a:r>
+            <a:r>
+              <a:rPr lang="en-US" dirty="0" err="1">
+                <a:solidFill>
+                  <a:schemeClr val="tx1"/>
+                </a:solidFill>
+              </a:rPr>
+              <a:t>wsk</a:t>
+            </a:r>
+            <a:r>
+              <a:rPr lang="en-US" dirty="0">
+                <a:solidFill>
+                  <a:schemeClr val="tx1"/>
+                </a:solidFill>
+              </a:rPr>
+              <a:t> </a:t>
+            </a:r>
+          </a:p>
+          <a:p>
+            <a:r>
+              <a:rPr lang="en-US" dirty="0">
+                <a:solidFill>
+                  <a:schemeClr val="tx1"/>
+                </a:solidFill>
+              </a:rPr>
+              <a:t>Deployment utility </a:t>
+            </a:r>
+            <a:r>
+              <a:rPr lang="en-US" dirty="0" err="1">
+                <a:solidFill>
+                  <a:schemeClr val="tx1"/>
+                </a:solidFill>
+              </a:rPr>
+              <a:t>wskdeploy</a:t>
+            </a:r>
+            <a:endParaRPr lang="en-US" dirty="0">
+              <a:solidFill>
+                <a:schemeClr val="tx1"/>
+              </a:solidFill>
+            </a:endParaRPr>
+          </a:p>
+          <a:p>
+            <a:r>
+              <a:rPr lang="en-US" dirty="0">
+                <a:solidFill>
+                  <a:schemeClr val="tx1"/>
+                </a:solidFill>
+              </a:rPr>
+              <a:t>REST API</a:t>
+            </a:r>
+          </a:p>
+          <a:p>
+            <a:r>
+              <a:rPr lang="sr-Latn-RS" dirty="0">
+                <a:solidFill>
+                  <a:schemeClr val="tx1"/>
+                </a:solidFill>
+              </a:rPr>
+              <a:t>Open Whisk </a:t>
+            </a:r>
+            <a:r>
+              <a:rPr lang="en-US" dirty="0">
+                <a:solidFill>
+                  <a:schemeClr val="tx1"/>
+                </a:solidFill>
+              </a:rPr>
+              <a:t>Clients </a:t>
+            </a:r>
+            <a:r>
+              <a:rPr lang="sr-Latn-RS" dirty="0">
+                <a:solidFill>
+                  <a:schemeClr val="tx1"/>
+                </a:solidFill>
+              </a:rPr>
+              <a:t> (J</a:t>
+            </a:r>
+            <a:r>
+              <a:rPr lang="en-US" dirty="0" err="1">
+                <a:solidFill>
+                  <a:schemeClr val="tx1"/>
+                </a:solidFill>
+              </a:rPr>
+              <a:t>avaScript</a:t>
+            </a:r>
+            <a:r>
+              <a:rPr lang="en-US" dirty="0">
+                <a:solidFill>
+                  <a:schemeClr val="tx1"/>
+                </a:solidFill>
+              </a:rPr>
+              <a:t>, Go, Swift and Python</a:t>
+            </a:r>
+            <a:r>
+              <a:rPr lang="sr-Latn-RS" dirty="0">
+                <a:solidFill>
+                  <a:schemeClr val="tx1"/>
+                </a:solidFill>
+              </a:rPr>
+              <a:t>)</a:t>
+            </a:r>
+          </a:p>
+          <a:p>
+            <a:endParaRPr lang="en-US" dirty="0">
+              <a:solidFill>
+                <a:schemeClr val="tx1"/>
+              </a:solidFill>
+            </a:endParaRPr>
+          </a:p>
+        </p:txBody>
+      </p:sp>
+    </p:spTree>
+    <p:extLst>
+      <p:ext uri="{BB962C8B-B14F-4D97-AF65-F5344CB8AC3E}">
+        <p14:creationId xmlns:p14="http://schemas.microsoft.com/office/powerpoint/2010/main" val="4075488107"/>
+      </p:ext>
+    </p:extLst>
+  </p:cSld>
+  <p:clrMapOvr>
+    <a:masterClrMapping/>
+  </p:clrMapOvr>
+</p:sld>
+</file>
+
+<file path=ppt/slides/slide17.xml><?xml version="1.0" encoding="utf-8"?>
+<p:sld xmlns:a="http://schemas.openxmlformats.org/drawingml/2006/main" xmlns:r="http://schemas.openxmlformats.org/officeDocument/2006/relationships" xmlns:p="http://schemas.openxmlformats.org/presentationml/2006/main">
+  <p:cSld>
+    <p:spTree>
+      <p:nvGrpSpPr>
+        <p:cNvPr id="1" name=""/>
+        <p:cNvGrpSpPr/>
+        <p:nvPr/>
+      </p:nvGrpSpPr>
+      <p:grpSpPr>
+        <a:xfrm>
+          <a:off x="0" y="0"/>
+          <a:ext cx="0" cy="0"/>
+          <a:chOff x="0" y="0"/>
+          <a:chExt cx="0" cy="0"/>
+        </a:xfrm>
+      </p:grpSpPr>
+      <p:sp>
+        <p:nvSpPr>
+          <p:cNvPr id="2" name="Title 1">
+            <a:extLst>
+              <a:ext uri="{FF2B5EF4-FFF2-40B4-BE49-F238E27FC236}">
                 <a16:creationId xmlns:a16="http://schemas.microsoft.com/office/drawing/2014/main" id="{09E5FAA1-83DE-43BB-B4FB-748D8F702698}"/>
               </a:ext>
             </a:extLst>
@@ -9629,7 +9954,7 @@
 </p:sld>
 </file>
 
-<file path=ppt/slides/slide17.xml><?xml version="1.0" encoding="utf-8"?>
+<file path=ppt/slides/slide18.xml><?xml version="1.0" encoding="utf-8"?>
 <p:sld xmlns:a="http://schemas.openxmlformats.org/drawingml/2006/main" xmlns:r="http://schemas.openxmlformats.org/officeDocument/2006/relationships" xmlns:p="http://schemas.openxmlformats.org/presentationml/2006/main">
   <p:cSld>
     <p:spTree>
@@ -10039,7 +10364,7 @@
 </p:sld>
 </file>
 
-<file path=ppt/slides/slide18.xml><?xml version="1.0" encoding="utf-8"?>
+<file path=ppt/slides/slide19.xml><?xml version="1.0" encoding="utf-8"?>
 <p:sld xmlns:a="http://schemas.openxmlformats.org/drawingml/2006/main" xmlns:r="http://schemas.openxmlformats.org/officeDocument/2006/relationships" xmlns:p="http://schemas.openxmlformats.org/presentationml/2006/main">
   <p:cSld>
     <p:spTree>
@@ -10401,192 +10726,6 @@
     <p:extLst>
       <p:ext uri="{BB962C8B-B14F-4D97-AF65-F5344CB8AC3E}">
         <p14:creationId xmlns:p14="http://schemas.microsoft.com/office/powerpoint/2010/main" val="32193544"/>
-      </p:ext>
-    </p:extLst>
-  </p:cSld>
-  <p:clrMapOvr>
-    <a:masterClrMapping/>
-  </p:clrMapOvr>
-</p:sld>
-</file>
-
-<file path=ppt/slides/slide19.xml><?xml version="1.0" encoding="utf-8"?>
-<p:sld xmlns:a="http://schemas.openxmlformats.org/drawingml/2006/main" xmlns:r="http://schemas.openxmlformats.org/officeDocument/2006/relationships" xmlns:p="http://schemas.openxmlformats.org/presentationml/2006/main">
-  <p:cSld>
-    <p:spTree>
-      <p:nvGrpSpPr>
-        <p:cNvPr id="1" name=""/>
-        <p:cNvGrpSpPr/>
-        <p:nvPr/>
-      </p:nvGrpSpPr>
-      <p:grpSpPr>
-        <a:xfrm>
-          <a:off x="0" y="0"/>
-          <a:ext cx="0" cy="0"/>
-          <a:chOff x="0" y="0"/>
-          <a:chExt cx="0" cy="0"/>
-        </a:xfrm>
-      </p:grpSpPr>
-      <p:sp>
-        <p:nvSpPr>
-          <p:cNvPr id="2" name="Title 1">
-            <a:extLst>
-              <a:ext uri="{FF2B5EF4-FFF2-40B4-BE49-F238E27FC236}">
-                <a16:creationId xmlns:a16="http://schemas.microsoft.com/office/drawing/2014/main" id="{F8FB92E0-90EF-4487-B8F1-ACB922183076}"/>
-              </a:ext>
-            </a:extLst>
-          </p:cNvPr>
-          <p:cNvSpPr>
-            <a:spLocks noGrp="1"/>
-          </p:cNvSpPr>
-          <p:nvPr>
-            <p:ph type="title"/>
-          </p:nvPr>
-        </p:nvSpPr>
-        <p:spPr>
-          <a:xfrm>
-            <a:off x="684212" y="266521"/>
-            <a:ext cx="6485366" cy="1002721"/>
-          </a:xfrm>
-        </p:spPr>
-        <p:txBody>
-          <a:bodyPr/>
-          <a:lstStyle/>
-          <a:p>
-            <a:r>
-              <a:rPr lang="en-US" dirty="0" err="1"/>
-              <a:t>Automatizacija</a:t>
-            </a:r>
-            <a:r>
-              <a:rPr lang="en-US" dirty="0"/>
-              <a:t> </a:t>
-            </a:r>
-            <a:r>
-              <a:rPr lang="en-US" dirty="0" err="1"/>
-              <a:t>Akcija</a:t>
-            </a:r>
-            <a:endParaRPr lang="en-US" dirty="0"/>
-          </a:p>
-        </p:txBody>
-      </p:sp>
-      <p:sp>
-        <p:nvSpPr>
-          <p:cNvPr id="3" name="Content Placeholder 2">
-            <a:extLst>
-              <a:ext uri="{FF2B5EF4-FFF2-40B4-BE49-F238E27FC236}">
-                <a16:creationId xmlns:a16="http://schemas.microsoft.com/office/drawing/2014/main" id="{0B605194-77B5-4DC8-86F0-D074A241E8C3}"/>
-              </a:ext>
-            </a:extLst>
-          </p:cNvPr>
-          <p:cNvSpPr>
-            <a:spLocks noGrp="1"/>
-          </p:cNvSpPr>
-          <p:nvPr>
-            <p:ph idx="1"/>
-          </p:nvPr>
-        </p:nvSpPr>
-        <p:spPr>
-          <a:xfrm>
-            <a:off x="684212" y="1269242"/>
-            <a:ext cx="8499993" cy="649499"/>
-          </a:xfrm>
-        </p:spPr>
-        <p:txBody>
-          <a:bodyPr anchor="t"/>
-          <a:lstStyle/>
-          <a:p>
-            <a:r>
-              <a:rPr lang="en-US" dirty="0" err="1">
-                <a:solidFill>
-                  <a:schemeClr val="tx1"/>
-                </a:solidFill>
-              </a:rPr>
-              <a:t>Kreiranje</a:t>
-            </a:r>
-            <a:r>
-              <a:rPr lang="en-US" dirty="0">
-                <a:solidFill>
-                  <a:schemeClr val="tx1"/>
-                </a:solidFill>
-              </a:rPr>
-              <a:t> </a:t>
-            </a:r>
-            <a:r>
-              <a:rPr lang="en-US" dirty="0" err="1">
-                <a:solidFill>
-                  <a:schemeClr val="tx1"/>
-                </a:solidFill>
-              </a:rPr>
-              <a:t>akcije</a:t>
-            </a:r>
-            <a:r>
-              <a:rPr lang="en-US" dirty="0">
-                <a:solidFill>
-                  <a:schemeClr val="tx1"/>
-                </a:solidFill>
-              </a:rPr>
-              <a:t> </a:t>
-            </a:r>
-            <a:r>
-              <a:rPr lang="en-US" dirty="0" err="1">
-                <a:solidFill>
-                  <a:schemeClr val="tx1"/>
-                </a:solidFill>
-              </a:rPr>
-              <a:t>prvo</a:t>
-            </a:r>
-            <a:r>
-              <a:rPr lang="en-US" dirty="0">
-                <a:solidFill>
-                  <a:schemeClr val="tx1"/>
-                </a:solidFill>
-              </a:rPr>
-              <a:t> </a:t>
-            </a:r>
-          </a:p>
-          <a:p>
-            <a:endParaRPr lang="en-US" dirty="0">
-              <a:solidFill>
-                <a:schemeClr val="tx1"/>
-              </a:solidFill>
-            </a:endParaRPr>
-          </a:p>
-        </p:txBody>
-      </p:sp>
-      <p:pic>
-        <p:nvPicPr>
-          <p:cNvPr id="5" name="Picture 4">
-            <a:extLst>
-              <a:ext uri="{FF2B5EF4-FFF2-40B4-BE49-F238E27FC236}">
-                <a16:creationId xmlns:a16="http://schemas.microsoft.com/office/drawing/2014/main" id="{B65C7491-7C44-461F-BB85-87F3632B099B}"/>
-              </a:ext>
-            </a:extLst>
-          </p:cNvPr>
-          <p:cNvPicPr>
-            <a:picLocks noChangeAspect="1"/>
-          </p:cNvPicPr>
-          <p:nvPr/>
-        </p:nvPicPr>
-        <p:blipFill>
-          <a:blip r:embed="rId2"/>
-          <a:stretch>
-            <a:fillRect/>
-          </a:stretch>
-        </p:blipFill>
-        <p:spPr>
-          <a:xfrm>
-            <a:off x="684212" y="2158584"/>
-            <a:ext cx="8499993" cy="3932234"/>
-          </a:xfrm>
-          <a:prstGeom prst="rect">
-            <a:avLst/>
-          </a:prstGeom>
-        </p:spPr>
-      </p:pic>
-    </p:spTree>
-    <p:extLst>
-      <p:ext uri="{BB962C8B-B14F-4D97-AF65-F5344CB8AC3E}">
-        <p14:creationId xmlns:p14="http://schemas.microsoft.com/office/powerpoint/2010/main" val="3273474077"/>
       </p:ext>
     </p:extLst>
   </p:cSld>
@@ -10891,6 +11030,192 @@
 </file>
 
 <file path=ppt/slides/slide20.xml><?xml version="1.0" encoding="utf-8"?>
+<p:sld xmlns:a="http://schemas.openxmlformats.org/drawingml/2006/main" xmlns:r="http://schemas.openxmlformats.org/officeDocument/2006/relationships" xmlns:p="http://schemas.openxmlformats.org/presentationml/2006/main">
+  <p:cSld>
+    <p:spTree>
+      <p:nvGrpSpPr>
+        <p:cNvPr id="1" name=""/>
+        <p:cNvGrpSpPr/>
+        <p:nvPr/>
+      </p:nvGrpSpPr>
+      <p:grpSpPr>
+        <a:xfrm>
+          <a:off x="0" y="0"/>
+          <a:ext cx="0" cy="0"/>
+          <a:chOff x="0" y="0"/>
+          <a:chExt cx="0" cy="0"/>
+        </a:xfrm>
+      </p:grpSpPr>
+      <p:sp>
+        <p:nvSpPr>
+          <p:cNvPr id="2" name="Title 1">
+            <a:extLst>
+              <a:ext uri="{FF2B5EF4-FFF2-40B4-BE49-F238E27FC236}">
+                <a16:creationId xmlns:a16="http://schemas.microsoft.com/office/drawing/2014/main" id="{F8FB92E0-90EF-4487-B8F1-ACB922183076}"/>
+              </a:ext>
+            </a:extLst>
+          </p:cNvPr>
+          <p:cNvSpPr>
+            <a:spLocks noGrp="1"/>
+          </p:cNvSpPr>
+          <p:nvPr>
+            <p:ph type="title"/>
+          </p:nvPr>
+        </p:nvSpPr>
+        <p:spPr>
+          <a:xfrm>
+            <a:off x="684212" y="266521"/>
+            <a:ext cx="6485366" cy="1002721"/>
+          </a:xfrm>
+        </p:spPr>
+        <p:txBody>
+          <a:bodyPr/>
+          <a:lstStyle/>
+          <a:p>
+            <a:r>
+              <a:rPr lang="en-US" dirty="0" err="1"/>
+              <a:t>Automatizacija</a:t>
+            </a:r>
+            <a:r>
+              <a:rPr lang="en-US" dirty="0"/>
+              <a:t> </a:t>
+            </a:r>
+            <a:r>
+              <a:rPr lang="en-US" dirty="0" err="1"/>
+              <a:t>Akcija</a:t>
+            </a:r>
+            <a:endParaRPr lang="en-US" dirty="0"/>
+          </a:p>
+        </p:txBody>
+      </p:sp>
+      <p:sp>
+        <p:nvSpPr>
+          <p:cNvPr id="3" name="Content Placeholder 2">
+            <a:extLst>
+              <a:ext uri="{FF2B5EF4-FFF2-40B4-BE49-F238E27FC236}">
+                <a16:creationId xmlns:a16="http://schemas.microsoft.com/office/drawing/2014/main" id="{0B605194-77B5-4DC8-86F0-D074A241E8C3}"/>
+              </a:ext>
+            </a:extLst>
+          </p:cNvPr>
+          <p:cNvSpPr>
+            <a:spLocks noGrp="1"/>
+          </p:cNvSpPr>
+          <p:nvPr>
+            <p:ph idx="1"/>
+          </p:nvPr>
+        </p:nvSpPr>
+        <p:spPr>
+          <a:xfrm>
+            <a:off x="684212" y="1269242"/>
+            <a:ext cx="8499993" cy="649499"/>
+          </a:xfrm>
+        </p:spPr>
+        <p:txBody>
+          <a:bodyPr anchor="t"/>
+          <a:lstStyle/>
+          <a:p>
+            <a:r>
+              <a:rPr lang="en-US" dirty="0" err="1">
+                <a:solidFill>
+                  <a:schemeClr val="tx1"/>
+                </a:solidFill>
+              </a:rPr>
+              <a:t>Kreiranje</a:t>
+            </a:r>
+            <a:r>
+              <a:rPr lang="en-US" dirty="0">
+                <a:solidFill>
+                  <a:schemeClr val="tx1"/>
+                </a:solidFill>
+              </a:rPr>
+              <a:t> </a:t>
+            </a:r>
+            <a:r>
+              <a:rPr lang="en-US" dirty="0" err="1">
+                <a:solidFill>
+                  <a:schemeClr val="tx1"/>
+                </a:solidFill>
+              </a:rPr>
+              <a:t>akcije</a:t>
+            </a:r>
+            <a:r>
+              <a:rPr lang="en-US" dirty="0">
+                <a:solidFill>
+                  <a:schemeClr val="tx1"/>
+                </a:solidFill>
+              </a:rPr>
+              <a:t> </a:t>
+            </a:r>
+            <a:r>
+              <a:rPr lang="en-US" dirty="0" err="1">
+                <a:solidFill>
+                  <a:schemeClr val="tx1"/>
+                </a:solidFill>
+              </a:rPr>
+              <a:t>prvo</a:t>
+            </a:r>
+            <a:r>
+              <a:rPr lang="en-US" dirty="0">
+                <a:solidFill>
+                  <a:schemeClr val="tx1"/>
+                </a:solidFill>
+              </a:rPr>
+              <a:t> </a:t>
+            </a:r>
+          </a:p>
+          <a:p>
+            <a:endParaRPr lang="en-US" dirty="0">
+              <a:solidFill>
+                <a:schemeClr val="tx1"/>
+              </a:solidFill>
+            </a:endParaRPr>
+          </a:p>
+        </p:txBody>
+      </p:sp>
+      <p:pic>
+        <p:nvPicPr>
+          <p:cNvPr id="5" name="Picture 4">
+            <a:extLst>
+              <a:ext uri="{FF2B5EF4-FFF2-40B4-BE49-F238E27FC236}">
+                <a16:creationId xmlns:a16="http://schemas.microsoft.com/office/drawing/2014/main" id="{B65C7491-7C44-461F-BB85-87F3632B099B}"/>
+              </a:ext>
+            </a:extLst>
+          </p:cNvPr>
+          <p:cNvPicPr>
+            <a:picLocks noChangeAspect="1"/>
+          </p:cNvPicPr>
+          <p:nvPr/>
+        </p:nvPicPr>
+        <p:blipFill>
+          <a:blip r:embed="rId2"/>
+          <a:stretch>
+            <a:fillRect/>
+          </a:stretch>
+        </p:blipFill>
+        <p:spPr>
+          <a:xfrm>
+            <a:off x="684212" y="2158584"/>
+            <a:ext cx="8499993" cy="3932234"/>
+          </a:xfrm>
+          <a:prstGeom prst="rect">
+            <a:avLst/>
+          </a:prstGeom>
+        </p:spPr>
+      </p:pic>
+    </p:spTree>
+    <p:extLst>
+      <p:ext uri="{BB962C8B-B14F-4D97-AF65-F5344CB8AC3E}">
+        <p14:creationId xmlns:p14="http://schemas.microsoft.com/office/powerpoint/2010/main" val="3273474077"/>
+      </p:ext>
+    </p:extLst>
+  </p:cSld>
+  <p:clrMapOvr>
+    <a:masterClrMapping/>
+  </p:clrMapOvr>
+</p:sld>
+</file>
+
+<file path=ppt/slides/slide21.xml><?xml version="1.0" encoding="utf-8"?>
 <p:sld xmlns:a="http://schemas.openxmlformats.org/drawingml/2006/main" xmlns:r="http://schemas.openxmlformats.org/officeDocument/2006/relationships" xmlns:p="http://schemas.openxmlformats.org/presentationml/2006/main">
   <p:cSld>
     <p:spTree>
@@ -11209,7 +11534,7 @@
 </p:sld>
 </file>
 
-<file path=ppt/slides/slide21.xml><?xml version="1.0" encoding="utf-8"?>
+<file path=ppt/slides/slide22.xml><?xml version="1.0" encoding="utf-8"?>
 <p:sld xmlns:a="http://schemas.openxmlformats.org/drawingml/2006/main" xmlns:r="http://schemas.openxmlformats.org/officeDocument/2006/relationships" xmlns:p="http://schemas.openxmlformats.org/presentationml/2006/main" showMasterSp="0">
   <p:cSld>
     <p:spTree>
@@ -11853,7 +12178,7 @@
 </p:sld>
 </file>
 
-<file path=ppt/slides/slide22.xml><?xml version="1.0" encoding="utf-8"?>
+<file path=ppt/slides/slide23.xml><?xml version="1.0" encoding="utf-8"?>
 <p:sld xmlns:a="http://schemas.openxmlformats.org/drawingml/2006/main" xmlns:r="http://schemas.openxmlformats.org/officeDocument/2006/relationships" xmlns:p="http://schemas.openxmlformats.org/presentationml/2006/main">
   <p:cSld>
     <p:spTree>
@@ -11968,108 +12293,6 @@
 </p:sld>
 </file>
 
-<file path=ppt/slides/slide23.xml><?xml version="1.0" encoding="utf-8"?>
-<p:sld xmlns:a="http://schemas.openxmlformats.org/drawingml/2006/main" xmlns:r="http://schemas.openxmlformats.org/officeDocument/2006/relationships" xmlns:p="http://schemas.openxmlformats.org/presentationml/2006/main">
-  <p:cSld>
-    <p:spTree>
-      <p:nvGrpSpPr>
-        <p:cNvPr id="1" name=""/>
-        <p:cNvGrpSpPr/>
-        <p:nvPr/>
-      </p:nvGrpSpPr>
-      <p:grpSpPr>
-        <a:xfrm>
-          <a:off x="0" y="0"/>
-          <a:ext cx="0" cy="0"/>
-          <a:chOff x="0" y="0"/>
-          <a:chExt cx="0" cy="0"/>
-        </a:xfrm>
-      </p:grpSpPr>
-      <p:sp>
-        <p:nvSpPr>
-          <p:cNvPr id="2" name="Title 1">
-            <a:extLst>
-              <a:ext uri="{FF2B5EF4-FFF2-40B4-BE49-F238E27FC236}">
-                <a16:creationId xmlns:a16="http://schemas.microsoft.com/office/drawing/2014/main" id="{524E8084-7C95-4A5B-9E39-DCE640F725DD}"/>
-              </a:ext>
-            </a:extLst>
-          </p:cNvPr>
-          <p:cNvSpPr>
-            <a:spLocks noGrp="1"/>
-          </p:cNvSpPr>
-          <p:nvPr>
-            <p:ph type="title"/>
-          </p:nvPr>
-        </p:nvSpPr>
-        <p:spPr>
-          <a:xfrm>
-            <a:off x="7989757" y="361862"/>
-            <a:ext cx="3872798" cy="1074019"/>
-          </a:xfrm>
-        </p:spPr>
-        <p:txBody>
-          <a:bodyPr anchor="t"/>
-          <a:lstStyle/>
-          <a:p>
-            <a:r>
-              <a:rPr lang="en-US" dirty="0" err="1"/>
-              <a:t>Arhitektura</a:t>
-            </a:r>
-            <a:r>
-              <a:rPr lang="en-US" dirty="0"/>
-              <a:t> </a:t>
-            </a:r>
-          </a:p>
-        </p:txBody>
-      </p:sp>
-      <p:pic>
-        <p:nvPicPr>
-          <p:cNvPr id="5" name="Content Placeholder 4">
-            <a:extLst>
-              <a:ext uri="{FF2B5EF4-FFF2-40B4-BE49-F238E27FC236}">
-                <a16:creationId xmlns:a16="http://schemas.microsoft.com/office/drawing/2014/main" id="{6CEDF312-F85E-44A8-9D88-67DB3DAB0DCC}"/>
-              </a:ext>
-            </a:extLst>
-          </p:cNvPr>
-          <p:cNvPicPr>
-            <a:picLocks noGrp="1" noChangeAspect="1"/>
-          </p:cNvPicPr>
-          <p:nvPr>
-            <p:ph idx="1"/>
-          </p:nvPr>
-        </p:nvPicPr>
-        <p:blipFill>
-          <a:blip r:embed="rId3">
-            <a:extLst>
-              <a:ext uri="{28A0092B-C50C-407E-A947-70E740481C1C}">
-                <a14:useLocalDpi xmlns:a14="http://schemas.microsoft.com/office/drawing/2010/main" val="0"/>
-              </a:ext>
-            </a:extLst>
-          </a:blip>
-          <a:stretch>
-            <a:fillRect/>
-          </a:stretch>
-        </p:blipFill>
-        <p:spPr>
-          <a:xfrm>
-            <a:off x="539855" y="371579"/>
-            <a:ext cx="7449902" cy="6016453"/>
-          </a:xfrm>
-        </p:spPr>
-      </p:pic>
-    </p:spTree>
-    <p:extLst>
-      <p:ext uri="{BB962C8B-B14F-4D97-AF65-F5344CB8AC3E}">
-        <p14:creationId xmlns:p14="http://schemas.microsoft.com/office/powerpoint/2010/main" val="736672240"/>
-      </p:ext>
-    </p:extLst>
-  </p:cSld>
-  <p:clrMapOvr>
-    <a:masterClrMapping/>
-  </p:clrMapOvr>
-</p:sld>
-</file>
-
 <file path=ppt/slides/slide24.xml><?xml version="1.0" encoding="utf-8"?>
 <p:sld xmlns:a="http://schemas.openxmlformats.org/drawingml/2006/main" xmlns:r="http://schemas.openxmlformats.org/officeDocument/2006/relationships" xmlns:p="http://schemas.openxmlformats.org/presentationml/2006/main">
   <p:cSld>
@@ -12530,7 +12753,7 @@
         </p:nvSpPr>
         <p:spPr>
           <a:xfrm>
-            <a:off x="268015" y="1639615"/>
+            <a:off x="268015" y="1246936"/>
             <a:ext cx="5297214" cy="4364128"/>
           </a:xfrm>
         </p:spPr>
@@ -12714,7 +12937,7 @@
         </p:nvSpPr>
         <p:spPr>
           <a:xfrm>
-            <a:off x="5961993" y="1631147"/>
+            <a:off x="5961993" y="1246936"/>
             <a:ext cx="5297214" cy="4364128"/>
           </a:xfrm>
         </p:spPr>
